--- a/Seconde/Chapitre11-Force/Activité1-DecollagePesquet.pptx
+++ b/Seconde/Chapitre11-Force/Activité1-DecollagePesquet.pptx
@@ -10,6 +10,10 @@
     <p:sldId id="258" r:id="rId4"/>
     <p:sldId id="259" r:id="rId5"/>
     <p:sldId id="260" r:id="rId6"/>
+    <p:sldId id="261" r:id="rId7"/>
+    <p:sldId id="262" r:id="rId8"/>
+    <p:sldId id="263" r:id="rId9"/>
+    <p:sldId id="264" r:id="rId10"/>
   </p:sldIdLst>
   <p:sldSz cx="12192000" cy="6858000"/>
   <p:notesSz cx="6858000" cy="9144000"/>
@@ -6827,7 +6831,7 @@
           <a:p>
             <a:fld id="{764D37B3-7C07-4E8A-A90F-EE0281E0726A}" type="datetimeFigureOut">
               <a:rPr lang="fr-FR" smtClean="0"/>
-              <a:t>21/04/2021</a:t>
+              <a:t>22/04/2021</a:t>
             </a:fld>
             <a:endParaRPr lang="fr-FR"/>
           </a:p>
@@ -7027,7 +7031,7 @@
           <a:p>
             <a:fld id="{764D37B3-7C07-4E8A-A90F-EE0281E0726A}" type="datetimeFigureOut">
               <a:rPr lang="fr-FR" smtClean="0"/>
-              <a:t>21/04/2021</a:t>
+              <a:t>22/04/2021</a:t>
             </a:fld>
             <a:endParaRPr lang="fr-FR"/>
           </a:p>
@@ -7237,7 +7241,7 @@
           <a:p>
             <a:fld id="{764D37B3-7C07-4E8A-A90F-EE0281E0726A}" type="datetimeFigureOut">
               <a:rPr lang="fr-FR" smtClean="0"/>
-              <a:t>21/04/2021</a:t>
+              <a:t>22/04/2021</a:t>
             </a:fld>
             <a:endParaRPr lang="fr-FR"/>
           </a:p>
@@ -7437,7 +7441,7 @@
           <a:p>
             <a:fld id="{764D37B3-7C07-4E8A-A90F-EE0281E0726A}" type="datetimeFigureOut">
               <a:rPr lang="fr-FR" smtClean="0"/>
-              <a:t>21/04/2021</a:t>
+              <a:t>22/04/2021</a:t>
             </a:fld>
             <a:endParaRPr lang="fr-FR"/>
           </a:p>
@@ -7713,7 +7717,7 @@
           <a:p>
             <a:fld id="{764D37B3-7C07-4E8A-A90F-EE0281E0726A}" type="datetimeFigureOut">
               <a:rPr lang="fr-FR" smtClean="0"/>
-              <a:t>21/04/2021</a:t>
+              <a:t>22/04/2021</a:t>
             </a:fld>
             <a:endParaRPr lang="fr-FR"/>
           </a:p>
@@ -7981,7 +7985,7 @@
           <a:p>
             <a:fld id="{764D37B3-7C07-4E8A-A90F-EE0281E0726A}" type="datetimeFigureOut">
               <a:rPr lang="fr-FR" smtClean="0"/>
-              <a:t>21/04/2021</a:t>
+              <a:t>22/04/2021</a:t>
             </a:fld>
             <a:endParaRPr lang="fr-FR"/>
           </a:p>
@@ -8396,7 +8400,7 @@
           <a:p>
             <a:fld id="{764D37B3-7C07-4E8A-A90F-EE0281E0726A}" type="datetimeFigureOut">
               <a:rPr lang="fr-FR" smtClean="0"/>
-              <a:t>21/04/2021</a:t>
+              <a:t>22/04/2021</a:t>
             </a:fld>
             <a:endParaRPr lang="fr-FR"/>
           </a:p>
@@ -8538,7 +8542,7 @@
           <a:p>
             <a:fld id="{764D37B3-7C07-4E8A-A90F-EE0281E0726A}" type="datetimeFigureOut">
               <a:rPr lang="fr-FR" smtClean="0"/>
-              <a:t>21/04/2021</a:t>
+              <a:t>22/04/2021</a:t>
             </a:fld>
             <a:endParaRPr lang="fr-FR"/>
           </a:p>
@@ -8651,7 +8655,7 @@
           <a:p>
             <a:fld id="{764D37B3-7C07-4E8A-A90F-EE0281E0726A}" type="datetimeFigureOut">
               <a:rPr lang="fr-FR" smtClean="0"/>
-              <a:t>21/04/2021</a:t>
+              <a:t>22/04/2021</a:t>
             </a:fld>
             <a:endParaRPr lang="fr-FR"/>
           </a:p>
@@ -8964,7 +8968,7 @@
           <a:p>
             <a:fld id="{764D37B3-7C07-4E8A-A90F-EE0281E0726A}" type="datetimeFigureOut">
               <a:rPr lang="fr-FR" smtClean="0"/>
-              <a:t>21/04/2021</a:t>
+              <a:t>22/04/2021</a:t>
             </a:fld>
             <a:endParaRPr lang="fr-FR"/>
           </a:p>
@@ -9253,7 +9257,7 @@
           <a:p>
             <a:fld id="{764D37B3-7C07-4E8A-A90F-EE0281E0726A}" type="datetimeFigureOut">
               <a:rPr lang="fr-FR" smtClean="0"/>
-              <a:t>21/04/2021</a:t>
+              <a:t>22/04/2021</a:t>
             </a:fld>
             <a:endParaRPr lang="fr-FR"/>
           </a:p>
@@ -9496,7 +9500,7 @@
           <a:p>
             <a:fld id="{764D37B3-7C07-4E8A-A90F-EE0281E0726A}" type="datetimeFigureOut">
               <a:rPr lang="fr-FR" smtClean="0"/>
-              <a:t>21/04/2021</a:t>
+              <a:t>22/04/2021</a:t>
             </a:fld>
             <a:endParaRPr lang="fr-FR"/>
           </a:p>
@@ -19062,8 +19066,8 @@
           <a:chExt cx="0" cy="0"/>
         </a:xfrm>
       </p:grpSpPr>
-      <mc:AlternateContent xmlns:mc="http://schemas.openxmlformats.org/markup-compatibility/2006">
-        <mc:Choice xmlns:a14="http://schemas.microsoft.com/office/drawing/2010/main" Requires="a14">
+      <mc:AlternateContent xmlns:mc="http://schemas.openxmlformats.org/markup-compatibility/2006" xmlns:a14="http://schemas.microsoft.com/office/drawing/2010/main">
+        <mc:Choice Requires="a14">
           <p:sp>
             <p:nvSpPr>
               <p:cNvPr id="2" name="TextBox 1">
@@ -19265,7 +19269,7 @@
             </p:txBody>
           </p:sp>
         </mc:Choice>
-        <mc:Fallback>
+        <mc:Fallback xmlns="">
           <p:sp>
             <p:nvSpPr>
               <p:cNvPr id="2" name="TextBox 1">
@@ -19742,8 +19746,8 @@
           </a:fontRef>
         </p:style>
       </p:cxnSp>
-      <mc:AlternateContent xmlns:mc="http://schemas.openxmlformats.org/markup-compatibility/2006">
-        <mc:Choice xmlns:a14="http://schemas.microsoft.com/office/drawing/2010/main" Requires="a14">
+      <mc:AlternateContent xmlns:mc="http://schemas.openxmlformats.org/markup-compatibility/2006" xmlns:a14="http://schemas.microsoft.com/office/drawing/2010/main">
+        <mc:Choice Requires="a14">
           <p:sp>
             <p:nvSpPr>
               <p:cNvPr id="28" name="TextBox 27">
@@ -19854,7 +19858,7 @@
             </p:txBody>
           </p:sp>
         </mc:Choice>
-        <mc:Fallback>
+        <mc:Fallback xmlns="">
           <p:sp>
             <p:nvSpPr>
               <p:cNvPr id="28" name="TextBox 27">
@@ -19899,8 +19903,8 @@
           </p:sp>
         </mc:Fallback>
       </mc:AlternateContent>
-      <mc:AlternateContent xmlns:mc="http://schemas.openxmlformats.org/markup-compatibility/2006">
-        <mc:Choice xmlns:a14="http://schemas.microsoft.com/office/drawing/2010/main" Requires="a14">
+      <mc:AlternateContent xmlns:mc="http://schemas.openxmlformats.org/markup-compatibility/2006" xmlns:a14="http://schemas.microsoft.com/office/drawing/2010/main">
+        <mc:Choice Requires="a14">
           <p:sp>
             <p:nvSpPr>
               <p:cNvPr id="30" name="TextBox 29">
@@ -20024,7 +20028,7 @@
             </p:txBody>
           </p:sp>
         </mc:Choice>
-        <mc:Fallback>
+        <mc:Fallback xmlns="">
           <p:sp>
             <p:nvSpPr>
               <p:cNvPr id="30" name="TextBox 29">
@@ -20099,8 +20103,8 @@
           <a:chExt cx="0" cy="0"/>
         </a:xfrm>
       </p:grpSpPr>
-      <mc:AlternateContent xmlns:mc="http://schemas.openxmlformats.org/markup-compatibility/2006">
-        <mc:Choice xmlns:a14="http://schemas.microsoft.com/office/drawing/2010/main" Requires="a14">
+      <mc:AlternateContent xmlns:mc="http://schemas.openxmlformats.org/markup-compatibility/2006" xmlns:a14="http://schemas.microsoft.com/office/drawing/2010/main">
+        <mc:Choice Requires="a14">
           <p:sp>
             <p:nvSpPr>
               <p:cNvPr id="38" name="TextBox 37">
@@ -20333,7 +20337,7 @@
             </p:txBody>
           </p:sp>
         </mc:Choice>
-        <mc:Fallback>
+        <mc:Fallback xmlns="">
           <p:sp>
             <p:nvSpPr>
               <p:cNvPr id="38" name="TextBox 37">
@@ -20644,8 +20648,8 @@
           </a:fontRef>
         </p:style>
       </p:cxnSp>
-      <mc:AlternateContent xmlns:mc="http://schemas.openxmlformats.org/markup-compatibility/2006">
-        <mc:Choice xmlns:a14="http://schemas.microsoft.com/office/drawing/2010/main" Requires="a14">
+      <mc:AlternateContent xmlns:mc="http://schemas.openxmlformats.org/markup-compatibility/2006" xmlns:a14="http://schemas.microsoft.com/office/drawing/2010/main">
+        <mc:Choice Requires="a14">
           <p:sp>
             <p:nvSpPr>
               <p:cNvPr id="14" name="TextBox 13">
@@ -20897,7 +20901,7 @@
             </p:txBody>
           </p:sp>
         </mc:Choice>
-        <mc:Fallback>
+        <mc:Fallback xmlns="">
           <p:sp>
             <p:nvSpPr>
               <p:cNvPr id="14" name="TextBox 13">
@@ -21405,8 +21409,8 @@
           <a:chExt cx="0" cy="0"/>
         </a:xfrm>
       </p:grpSpPr>
-      <mc:AlternateContent xmlns:mc="http://schemas.openxmlformats.org/markup-compatibility/2006">
-        <mc:Choice xmlns:p14="http://schemas.microsoft.com/office/powerpoint/2010/main" Requires="p14">
+      <mc:AlternateContent xmlns:mc="http://schemas.openxmlformats.org/markup-compatibility/2006" xmlns:p14="http://schemas.microsoft.com/office/powerpoint/2010/main">
+        <mc:Choice Requires="p14">
           <p:contentPart p14:bwMode="auto" r:id="rId2">
             <p14:nvContentPartPr>
               <p14:cNvPr id="3" name="Ink 2">
@@ -21425,7 +21429,7 @@
             </p14:xfrm>
           </p:contentPart>
         </mc:Choice>
-        <mc:Fallback>
+        <mc:Fallback xmlns="">
           <p:pic>
             <p:nvPicPr>
               <p:cNvPr id="3" name="Ink 2">
@@ -21476,8 +21480,8 @@
             <a:chExt cx="652680" cy="468000"/>
           </a:xfrm>
         </p:grpSpPr>
-        <mc:AlternateContent xmlns:mc="http://schemas.openxmlformats.org/markup-compatibility/2006">
-          <mc:Choice xmlns:p14="http://schemas.microsoft.com/office/powerpoint/2010/main" Requires="p14">
+        <mc:AlternateContent xmlns:mc="http://schemas.openxmlformats.org/markup-compatibility/2006" xmlns:p14="http://schemas.microsoft.com/office/powerpoint/2010/main">
+          <mc:Choice Requires="p14">
             <p:contentPart p14:bwMode="auto" r:id="rId4">
               <p14:nvContentPartPr>
                 <p14:cNvPr id="4" name="Ink 3">
@@ -21496,7 +21500,7 @@
               </p14:xfrm>
             </p:contentPart>
           </mc:Choice>
-          <mc:Fallback>
+          <mc:Fallback xmlns="">
             <p:pic>
               <p:nvPicPr>
                 <p:cNvPr id="4" name="Ink 3">
@@ -21527,8 +21531,8 @@
             </p:pic>
           </mc:Fallback>
         </mc:AlternateContent>
-        <mc:AlternateContent xmlns:mc="http://schemas.openxmlformats.org/markup-compatibility/2006">
-          <mc:Choice xmlns:p14="http://schemas.microsoft.com/office/powerpoint/2010/main" Requires="p14">
+        <mc:AlternateContent xmlns:mc="http://schemas.openxmlformats.org/markup-compatibility/2006" xmlns:p14="http://schemas.microsoft.com/office/powerpoint/2010/main">
+          <mc:Choice Requires="p14">
             <p:contentPart p14:bwMode="auto" r:id="rId6">
               <p14:nvContentPartPr>
                 <p14:cNvPr id="5" name="Ink 4">
@@ -21547,7 +21551,7 @@
               </p14:xfrm>
             </p:contentPart>
           </mc:Choice>
-          <mc:Fallback>
+          <mc:Fallback xmlns="">
             <p:pic>
               <p:nvPicPr>
                 <p:cNvPr id="5" name="Ink 4">
@@ -21578,8 +21582,8 @@
             </p:pic>
           </mc:Fallback>
         </mc:AlternateContent>
-        <mc:AlternateContent xmlns:mc="http://schemas.openxmlformats.org/markup-compatibility/2006">
-          <mc:Choice xmlns:p14="http://schemas.microsoft.com/office/powerpoint/2010/main" Requires="p14">
+        <mc:AlternateContent xmlns:mc="http://schemas.openxmlformats.org/markup-compatibility/2006" xmlns:p14="http://schemas.microsoft.com/office/powerpoint/2010/main">
+          <mc:Choice Requires="p14">
             <p:contentPart p14:bwMode="auto" r:id="rId8">
               <p14:nvContentPartPr>
                 <p14:cNvPr id="7" name="Ink 6">
@@ -21598,7 +21602,7 @@
               </p14:xfrm>
             </p:contentPart>
           </mc:Choice>
-          <mc:Fallback>
+          <mc:Fallback xmlns="">
             <p:pic>
               <p:nvPicPr>
                 <p:cNvPr id="7" name="Ink 6">
@@ -21629,8 +21633,8 @@
             </p:pic>
           </mc:Fallback>
         </mc:AlternateContent>
-        <mc:AlternateContent xmlns:mc="http://schemas.openxmlformats.org/markup-compatibility/2006">
-          <mc:Choice xmlns:p14="http://schemas.microsoft.com/office/powerpoint/2010/main" Requires="p14">
+        <mc:AlternateContent xmlns:mc="http://schemas.openxmlformats.org/markup-compatibility/2006" xmlns:p14="http://schemas.microsoft.com/office/powerpoint/2010/main">
+          <mc:Choice Requires="p14">
             <p:contentPart p14:bwMode="auto" r:id="rId10">
               <p14:nvContentPartPr>
                 <p14:cNvPr id="8" name="Ink 7">
@@ -21649,7 +21653,7 @@
               </p14:xfrm>
             </p:contentPart>
           </mc:Choice>
-          <mc:Fallback>
+          <mc:Fallback xmlns="">
             <p:pic>
               <p:nvPicPr>
                 <p:cNvPr id="8" name="Ink 7">
@@ -21681,8 +21685,8 @@
           </mc:Fallback>
         </mc:AlternateContent>
       </p:grpSp>
-      <mc:AlternateContent xmlns:mc="http://schemas.openxmlformats.org/markup-compatibility/2006">
-        <mc:Choice xmlns:p14="http://schemas.microsoft.com/office/powerpoint/2010/main" Requires="p14">
+      <mc:AlternateContent xmlns:mc="http://schemas.openxmlformats.org/markup-compatibility/2006" xmlns:p14="http://schemas.microsoft.com/office/powerpoint/2010/main">
+        <mc:Choice Requires="p14">
           <p:contentPart p14:bwMode="auto" r:id="rId12">
             <p14:nvContentPartPr>
               <p14:cNvPr id="13" name="Ink 12">
@@ -21701,7 +21705,7 @@
             </p14:xfrm>
           </p:contentPart>
         </mc:Choice>
-        <mc:Fallback>
+        <mc:Fallback xmlns="">
           <p:pic>
             <p:nvPicPr>
               <p:cNvPr id="13" name="Ink 12">
@@ -21752,8 +21756,8 @@
             <a:chExt cx="566280" cy="244080"/>
           </a:xfrm>
         </p:grpSpPr>
-        <mc:AlternateContent xmlns:mc="http://schemas.openxmlformats.org/markup-compatibility/2006">
-          <mc:Choice xmlns:p14="http://schemas.microsoft.com/office/powerpoint/2010/main" Requires="p14">
+        <mc:AlternateContent xmlns:mc="http://schemas.openxmlformats.org/markup-compatibility/2006" xmlns:p14="http://schemas.microsoft.com/office/powerpoint/2010/main">
+          <mc:Choice Requires="p14">
             <p:contentPart p14:bwMode="auto" r:id="rId14">
               <p14:nvContentPartPr>
                 <p14:cNvPr id="15" name="Ink 14">
@@ -21772,7 +21776,7 @@
               </p14:xfrm>
             </p:contentPart>
           </mc:Choice>
-          <mc:Fallback>
+          <mc:Fallback xmlns="">
             <p:pic>
               <p:nvPicPr>
                 <p:cNvPr id="15" name="Ink 14">
@@ -21803,8 +21807,8 @@
             </p:pic>
           </mc:Fallback>
         </mc:AlternateContent>
-        <mc:AlternateContent xmlns:mc="http://schemas.openxmlformats.org/markup-compatibility/2006">
-          <mc:Choice xmlns:p14="http://schemas.microsoft.com/office/powerpoint/2010/main" Requires="p14">
+        <mc:AlternateContent xmlns:mc="http://schemas.openxmlformats.org/markup-compatibility/2006" xmlns:p14="http://schemas.microsoft.com/office/powerpoint/2010/main">
+          <mc:Choice Requires="p14">
             <p:contentPart p14:bwMode="auto" r:id="rId16">
               <p14:nvContentPartPr>
                 <p14:cNvPr id="16" name="Ink 15">
@@ -21823,7 +21827,7 @@
               </p14:xfrm>
             </p:contentPart>
           </mc:Choice>
-          <mc:Fallback>
+          <mc:Fallback xmlns="">
             <p:pic>
               <p:nvPicPr>
                 <p:cNvPr id="16" name="Ink 15">
@@ -21854,8 +21858,8 @@
             </p:pic>
           </mc:Fallback>
         </mc:AlternateContent>
-        <mc:AlternateContent xmlns:mc="http://schemas.openxmlformats.org/markup-compatibility/2006">
-          <mc:Choice xmlns:p14="http://schemas.microsoft.com/office/powerpoint/2010/main" Requires="p14">
+        <mc:AlternateContent xmlns:mc="http://schemas.openxmlformats.org/markup-compatibility/2006" xmlns:p14="http://schemas.microsoft.com/office/powerpoint/2010/main">
+          <mc:Choice Requires="p14">
             <p:contentPart p14:bwMode="auto" r:id="rId18">
               <p14:nvContentPartPr>
                 <p14:cNvPr id="17" name="Ink 16">
@@ -21874,7 +21878,7 @@
               </p14:xfrm>
             </p:contentPart>
           </mc:Choice>
-          <mc:Fallback>
+          <mc:Fallback xmlns="">
             <p:pic>
               <p:nvPicPr>
                 <p:cNvPr id="17" name="Ink 16">
@@ -21905,8 +21909,8 @@
             </p:pic>
           </mc:Fallback>
         </mc:AlternateContent>
-        <mc:AlternateContent xmlns:mc="http://schemas.openxmlformats.org/markup-compatibility/2006">
-          <mc:Choice xmlns:p14="http://schemas.microsoft.com/office/powerpoint/2010/main" Requires="p14">
+        <mc:AlternateContent xmlns:mc="http://schemas.openxmlformats.org/markup-compatibility/2006" xmlns:p14="http://schemas.microsoft.com/office/powerpoint/2010/main">
+          <mc:Choice Requires="p14">
             <p:contentPart p14:bwMode="auto" r:id="rId20">
               <p14:nvContentPartPr>
                 <p14:cNvPr id="18" name="Ink 17">
@@ -21925,7 +21929,7 @@
               </p14:xfrm>
             </p:contentPart>
           </mc:Choice>
-          <mc:Fallback>
+          <mc:Fallback xmlns="">
             <p:pic>
               <p:nvPicPr>
                 <p:cNvPr id="18" name="Ink 17">
@@ -21956,8 +21960,8 @@
             </p:pic>
           </mc:Fallback>
         </mc:AlternateContent>
-        <mc:AlternateContent xmlns:mc="http://schemas.openxmlformats.org/markup-compatibility/2006">
-          <mc:Choice xmlns:p14="http://schemas.microsoft.com/office/powerpoint/2010/main" Requires="p14">
+        <mc:AlternateContent xmlns:mc="http://schemas.openxmlformats.org/markup-compatibility/2006" xmlns:p14="http://schemas.microsoft.com/office/powerpoint/2010/main">
+          <mc:Choice Requires="p14">
             <p:contentPart p14:bwMode="auto" r:id="rId22">
               <p14:nvContentPartPr>
                 <p14:cNvPr id="19" name="Ink 18">
@@ -21976,7 +21980,7 @@
               </p14:xfrm>
             </p:contentPart>
           </mc:Choice>
-          <mc:Fallback>
+          <mc:Fallback xmlns="">
             <p:pic>
               <p:nvPicPr>
                 <p:cNvPr id="19" name="Ink 18">
@@ -22007,8 +22011,8 @@
             </p:pic>
           </mc:Fallback>
         </mc:AlternateContent>
-        <mc:AlternateContent xmlns:mc="http://schemas.openxmlformats.org/markup-compatibility/2006">
-          <mc:Choice xmlns:p14="http://schemas.microsoft.com/office/powerpoint/2010/main" Requires="p14">
+        <mc:AlternateContent xmlns:mc="http://schemas.openxmlformats.org/markup-compatibility/2006" xmlns:p14="http://schemas.microsoft.com/office/powerpoint/2010/main">
+          <mc:Choice Requires="p14">
             <p:contentPart p14:bwMode="auto" r:id="rId24">
               <p14:nvContentPartPr>
                 <p14:cNvPr id="20" name="Ink 19">
@@ -22027,7 +22031,7 @@
               </p14:xfrm>
             </p:contentPart>
           </mc:Choice>
-          <mc:Fallback>
+          <mc:Fallback xmlns="">
             <p:pic>
               <p:nvPicPr>
                 <p:cNvPr id="20" name="Ink 19">
@@ -22079,8 +22083,8 @@
             <a:chExt cx="843480" cy="718200"/>
           </a:xfrm>
         </p:grpSpPr>
-        <mc:AlternateContent xmlns:mc="http://schemas.openxmlformats.org/markup-compatibility/2006">
-          <mc:Choice xmlns:p14="http://schemas.microsoft.com/office/powerpoint/2010/main" Requires="p14">
+        <mc:AlternateContent xmlns:mc="http://schemas.openxmlformats.org/markup-compatibility/2006" xmlns:p14="http://schemas.microsoft.com/office/powerpoint/2010/main">
+          <mc:Choice Requires="p14">
             <p:contentPart p14:bwMode="auto" r:id="rId26">
               <p14:nvContentPartPr>
                 <p14:cNvPr id="10" name="Ink 9">
@@ -22099,7 +22103,7 @@
               </p14:xfrm>
             </p:contentPart>
           </mc:Choice>
-          <mc:Fallback>
+          <mc:Fallback xmlns="">
             <p:pic>
               <p:nvPicPr>
                 <p:cNvPr id="10" name="Ink 9">
@@ -22130,8 +22134,8 @@
             </p:pic>
           </mc:Fallback>
         </mc:AlternateContent>
-        <mc:AlternateContent xmlns:mc="http://schemas.openxmlformats.org/markup-compatibility/2006">
-          <mc:Choice xmlns:p14="http://schemas.microsoft.com/office/powerpoint/2010/main" Requires="p14">
+        <mc:AlternateContent xmlns:mc="http://schemas.openxmlformats.org/markup-compatibility/2006" xmlns:p14="http://schemas.microsoft.com/office/powerpoint/2010/main">
+          <mc:Choice Requires="p14">
             <p:contentPart p14:bwMode="auto" r:id="rId28">
               <p14:nvContentPartPr>
                 <p14:cNvPr id="11" name="Ink 10">
@@ -22150,7 +22154,7 @@
               </p14:xfrm>
             </p:contentPart>
           </mc:Choice>
-          <mc:Fallback>
+          <mc:Fallback xmlns="">
             <p:pic>
               <p:nvPicPr>
                 <p:cNvPr id="11" name="Ink 10">
@@ -22181,8 +22185,8 @@
             </p:pic>
           </mc:Fallback>
         </mc:AlternateContent>
-        <mc:AlternateContent xmlns:mc="http://schemas.openxmlformats.org/markup-compatibility/2006">
-          <mc:Choice xmlns:p14="http://schemas.microsoft.com/office/powerpoint/2010/main" Requires="p14">
+        <mc:AlternateContent xmlns:mc="http://schemas.openxmlformats.org/markup-compatibility/2006" xmlns:p14="http://schemas.microsoft.com/office/powerpoint/2010/main">
+          <mc:Choice Requires="p14">
             <p:contentPart p14:bwMode="auto" r:id="rId30">
               <p14:nvContentPartPr>
                 <p14:cNvPr id="23" name="Ink 22">
@@ -22201,7 +22205,7 @@
               </p14:xfrm>
             </p:contentPart>
           </mc:Choice>
-          <mc:Fallback>
+          <mc:Fallback xmlns="">
             <p:pic>
               <p:nvPicPr>
                 <p:cNvPr id="23" name="Ink 22">
@@ -22232,8 +22236,8 @@
             </p:pic>
           </mc:Fallback>
         </mc:AlternateContent>
-        <mc:AlternateContent xmlns:mc="http://schemas.openxmlformats.org/markup-compatibility/2006">
-          <mc:Choice xmlns:p14="http://schemas.microsoft.com/office/powerpoint/2010/main" Requires="p14">
+        <mc:AlternateContent xmlns:mc="http://schemas.openxmlformats.org/markup-compatibility/2006" xmlns:p14="http://schemas.microsoft.com/office/powerpoint/2010/main">
+          <mc:Choice Requires="p14">
             <p:contentPart p14:bwMode="auto" r:id="rId32">
               <p14:nvContentPartPr>
                 <p14:cNvPr id="25" name="Ink 24">
@@ -22252,7 +22256,7 @@
               </p14:xfrm>
             </p:contentPart>
           </mc:Choice>
-          <mc:Fallback>
+          <mc:Fallback xmlns="">
             <p:pic>
               <p:nvPicPr>
                 <p:cNvPr id="25" name="Ink 24">
@@ -22283,8 +22287,8 @@
             </p:pic>
           </mc:Fallback>
         </mc:AlternateContent>
-        <mc:AlternateContent xmlns:mc="http://schemas.openxmlformats.org/markup-compatibility/2006">
-          <mc:Choice xmlns:p14="http://schemas.microsoft.com/office/powerpoint/2010/main" Requires="p14">
+        <mc:AlternateContent xmlns:mc="http://schemas.openxmlformats.org/markup-compatibility/2006" xmlns:p14="http://schemas.microsoft.com/office/powerpoint/2010/main">
+          <mc:Choice Requires="p14">
             <p:contentPart p14:bwMode="auto" r:id="rId34">
               <p14:nvContentPartPr>
                 <p14:cNvPr id="37" name="Ink 36">
@@ -22303,7 +22307,7 @@
               </p14:xfrm>
             </p:contentPart>
           </mc:Choice>
-          <mc:Fallback>
+          <mc:Fallback xmlns="">
             <p:pic>
               <p:nvPicPr>
                 <p:cNvPr id="37" name="Ink 36">
@@ -22334,8 +22338,8 @@
             </p:pic>
           </mc:Fallback>
         </mc:AlternateContent>
-        <mc:AlternateContent xmlns:mc="http://schemas.openxmlformats.org/markup-compatibility/2006">
-          <mc:Choice xmlns:p14="http://schemas.microsoft.com/office/powerpoint/2010/main" Requires="p14">
+        <mc:AlternateContent xmlns:mc="http://schemas.openxmlformats.org/markup-compatibility/2006" xmlns:p14="http://schemas.microsoft.com/office/powerpoint/2010/main">
+          <mc:Choice Requires="p14">
             <p:contentPart p14:bwMode="auto" r:id="rId36">
               <p14:nvContentPartPr>
                 <p14:cNvPr id="38" name="Ink 37">
@@ -22354,7 +22358,7 @@
               </p14:xfrm>
             </p:contentPart>
           </mc:Choice>
-          <mc:Fallback>
+          <mc:Fallback xmlns="">
             <p:pic>
               <p:nvPicPr>
                 <p:cNvPr id="38" name="Ink 37">
@@ -22385,8 +22389,8 @@
             </p:pic>
           </mc:Fallback>
         </mc:AlternateContent>
-        <mc:AlternateContent xmlns:mc="http://schemas.openxmlformats.org/markup-compatibility/2006">
-          <mc:Choice xmlns:p14="http://schemas.microsoft.com/office/powerpoint/2010/main" Requires="p14">
+        <mc:AlternateContent xmlns:mc="http://schemas.openxmlformats.org/markup-compatibility/2006" xmlns:p14="http://schemas.microsoft.com/office/powerpoint/2010/main">
+          <mc:Choice Requires="p14">
             <p:contentPart p14:bwMode="auto" r:id="rId38">
               <p14:nvContentPartPr>
                 <p14:cNvPr id="39" name="Ink 38">
@@ -22405,7 +22409,7 @@
               </p14:xfrm>
             </p:contentPart>
           </mc:Choice>
-          <mc:Fallback>
+          <mc:Fallback xmlns="">
             <p:pic>
               <p:nvPicPr>
                 <p:cNvPr id="39" name="Ink 38">
@@ -22436,8 +22440,8 @@
             </p:pic>
           </mc:Fallback>
         </mc:AlternateContent>
-        <mc:AlternateContent xmlns:mc="http://schemas.openxmlformats.org/markup-compatibility/2006">
-          <mc:Choice xmlns:p14="http://schemas.microsoft.com/office/powerpoint/2010/main" Requires="p14">
+        <mc:AlternateContent xmlns:mc="http://schemas.openxmlformats.org/markup-compatibility/2006" xmlns:p14="http://schemas.microsoft.com/office/powerpoint/2010/main">
+          <mc:Choice Requires="p14">
             <p:contentPart p14:bwMode="auto" r:id="rId40">
               <p14:nvContentPartPr>
                 <p14:cNvPr id="41" name="Ink 40">
@@ -22456,7 +22460,7 @@
               </p14:xfrm>
             </p:contentPart>
           </mc:Choice>
-          <mc:Fallback>
+          <mc:Fallback xmlns="">
             <p:pic>
               <p:nvPicPr>
                 <p:cNvPr id="41" name="Ink 40">
@@ -22508,8 +22512,8 @@
             <a:chExt cx="355680" cy="188640"/>
           </a:xfrm>
         </p:grpSpPr>
-        <mc:AlternateContent xmlns:mc="http://schemas.openxmlformats.org/markup-compatibility/2006">
-          <mc:Choice xmlns:p14="http://schemas.microsoft.com/office/powerpoint/2010/main" xmlns:aink="http://schemas.microsoft.com/office/drawing/2016/ink" Requires="p14 aink">
+        <mc:AlternateContent xmlns:mc="http://schemas.openxmlformats.org/markup-compatibility/2006" xmlns:p14="http://schemas.microsoft.com/office/powerpoint/2010/main" xmlns:aink="http://schemas.microsoft.com/office/drawing/2016/ink">
+          <mc:Choice Requires="p14 aink">
             <p:contentPart p14:bwMode="auto" r:id="rId42">
               <p14:nvContentPartPr>
                 <p14:cNvPr id="43" name="Ink 42">
@@ -22528,7 +22532,7 @@
               </p14:xfrm>
             </p:contentPart>
           </mc:Choice>
-          <mc:Fallback>
+          <mc:Fallback xmlns="">
             <p:pic>
               <p:nvPicPr>
                 <p:cNvPr id="43" name="Ink 42">
@@ -22559,8 +22563,8 @@
             </p:pic>
           </mc:Fallback>
         </mc:AlternateContent>
-        <mc:AlternateContent xmlns:mc="http://schemas.openxmlformats.org/markup-compatibility/2006">
-          <mc:Choice xmlns:p14="http://schemas.microsoft.com/office/powerpoint/2010/main" xmlns:aink="http://schemas.microsoft.com/office/drawing/2016/ink" Requires="p14 aink">
+        <mc:AlternateContent xmlns:mc="http://schemas.openxmlformats.org/markup-compatibility/2006" xmlns:p14="http://schemas.microsoft.com/office/powerpoint/2010/main" xmlns:aink="http://schemas.microsoft.com/office/drawing/2016/ink">
+          <mc:Choice Requires="p14 aink">
             <p:contentPart p14:bwMode="auto" r:id="rId44">
               <p14:nvContentPartPr>
                 <p14:cNvPr id="47" name="Ink 46">
@@ -22579,7 +22583,7 @@
               </p14:xfrm>
             </p:contentPart>
           </mc:Choice>
-          <mc:Fallback>
+          <mc:Fallback xmlns="">
             <p:pic>
               <p:nvPicPr>
                 <p:cNvPr id="47" name="Ink 46">
@@ -22631,8 +22635,8 @@
             <a:chExt cx="1076040" cy="416880"/>
           </a:xfrm>
         </p:grpSpPr>
-        <mc:AlternateContent xmlns:mc="http://schemas.openxmlformats.org/markup-compatibility/2006">
-          <mc:Choice xmlns:p14="http://schemas.microsoft.com/office/powerpoint/2010/main" xmlns:aink="http://schemas.microsoft.com/office/drawing/2016/ink" Requires="p14 aink">
+        <mc:AlternateContent xmlns:mc="http://schemas.openxmlformats.org/markup-compatibility/2006" xmlns:p14="http://schemas.microsoft.com/office/powerpoint/2010/main" xmlns:aink="http://schemas.microsoft.com/office/drawing/2016/ink">
+          <mc:Choice Requires="p14 aink">
             <p:contentPart p14:bwMode="auto" r:id="rId46">
               <p14:nvContentPartPr>
                 <p14:cNvPr id="66" name="Ink 65">
@@ -22651,7 +22655,7 @@
               </p14:xfrm>
             </p:contentPart>
           </mc:Choice>
-          <mc:Fallback>
+          <mc:Fallback xmlns="">
             <p:pic>
               <p:nvPicPr>
                 <p:cNvPr id="66" name="Ink 65">
@@ -22682,8 +22686,8 @@
             </p:pic>
           </mc:Fallback>
         </mc:AlternateContent>
-        <mc:AlternateContent xmlns:mc="http://schemas.openxmlformats.org/markup-compatibility/2006">
-          <mc:Choice xmlns:p14="http://schemas.microsoft.com/office/powerpoint/2010/main" xmlns:aink="http://schemas.microsoft.com/office/drawing/2016/ink" Requires="p14 aink">
+        <mc:AlternateContent xmlns:mc="http://schemas.openxmlformats.org/markup-compatibility/2006" xmlns:p14="http://schemas.microsoft.com/office/powerpoint/2010/main" xmlns:aink="http://schemas.microsoft.com/office/drawing/2016/ink">
+          <mc:Choice Requires="p14 aink">
             <p:contentPart p14:bwMode="auto" r:id="rId48">
               <p14:nvContentPartPr>
                 <p14:cNvPr id="67" name="Ink 66">
@@ -22702,7 +22706,7 @@
               </p14:xfrm>
             </p:contentPart>
           </mc:Choice>
-          <mc:Fallback>
+          <mc:Fallback xmlns="">
             <p:pic>
               <p:nvPicPr>
                 <p:cNvPr id="67" name="Ink 66">
@@ -22733,8 +22737,8 @@
             </p:pic>
           </mc:Fallback>
         </mc:AlternateContent>
-        <mc:AlternateContent xmlns:mc="http://schemas.openxmlformats.org/markup-compatibility/2006">
-          <mc:Choice xmlns:p14="http://schemas.microsoft.com/office/powerpoint/2010/main" xmlns:aink="http://schemas.microsoft.com/office/drawing/2016/ink" Requires="p14 aink">
+        <mc:AlternateContent xmlns:mc="http://schemas.openxmlformats.org/markup-compatibility/2006" xmlns:p14="http://schemas.microsoft.com/office/powerpoint/2010/main" xmlns:aink="http://schemas.microsoft.com/office/drawing/2016/ink">
+          <mc:Choice Requires="p14 aink">
             <p:contentPart p14:bwMode="auto" r:id="rId50">
               <p14:nvContentPartPr>
                 <p14:cNvPr id="68" name="Ink 67">
@@ -22753,7 +22757,7 @@
               </p14:xfrm>
             </p:contentPart>
           </mc:Choice>
-          <mc:Fallback>
+          <mc:Fallback xmlns="">
             <p:pic>
               <p:nvPicPr>
                 <p:cNvPr id="68" name="Ink 67">
@@ -22784,8 +22788,8 @@
             </p:pic>
           </mc:Fallback>
         </mc:AlternateContent>
-        <mc:AlternateContent xmlns:mc="http://schemas.openxmlformats.org/markup-compatibility/2006">
-          <mc:Choice xmlns:p14="http://schemas.microsoft.com/office/powerpoint/2010/main" xmlns:aink="http://schemas.microsoft.com/office/drawing/2016/ink" Requires="p14 aink">
+        <mc:AlternateContent xmlns:mc="http://schemas.openxmlformats.org/markup-compatibility/2006" xmlns:p14="http://schemas.microsoft.com/office/powerpoint/2010/main" xmlns:aink="http://schemas.microsoft.com/office/drawing/2016/ink">
+          <mc:Choice Requires="p14 aink">
             <p:contentPart p14:bwMode="auto" r:id="rId52">
               <p14:nvContentPartPr>
                 <p14:cNvPr id="72" name="Ink 71">
@@ -22804,7 +22808,7 @@
               </p14:xfrm>
             </p:contentPart>
           </mc:Choice>
-          <mc:Fallback>
+          <mc:Fallback xmlns="">
             <p:pic>
               <p:nvPicPr>
                 <p:cNvPr id="72" name="Ink 71">
@@ -22835,8 +22839,8 @@
             </p:pic>
           </mc:Fallback>
         </mc:AlternateContent>
-        <mc:AlternateContent xmlns:mc="http://schemas.openxmlformats.org/markup-compatibility/2006">
-          <mc:Choice xmlns:p14="http://schemas.microsoft.com/office/powerpoint/2010/main" xmlns:aink="http://schemas.microsoft.com/office/drawing/2016/ink" Requires="p14 aink">
+        <mc:AlternateContent xmlns:mc="http://schemas.openxmlformats.org/markup-compatibility/2006" xmlns:p14="http://schemas.microsoft.com/office/powerpoint/2010/main" xmlns:aink="http://schemas.microsoft.com/office/drawing/2016/ink">
+          <mc:Choice Requires="p14 aink">
             <p:contentPart p14:bwMode="auto" r:id="rId54">
               <p14:nvContentPartPr>
                 <p14:cNvPr id="73" name="Ink 72">
@@ -22855,7 +22859,7 @@
               </p14:xfrm>
             </p:contentPart>
           </mc:Choice>
-          <mc:Fallback>
+          <mc:Fallback xmlns="">
             <p:pic>
               <p:nvPicPr>
                 <p:cNvPr id="73" name="Ink 72">
@@ -22886,8 +22890,8 @@
             </p:pic>
           </mc:Fallback>
         </mc:AlternateContent>
-        <mc:AlternateContent xmlns:mc="http://schemas.openxmlformats.org/markup-compatibility/2006">
-          <mc:Choice xmlns:p14="http://schemas.microsoft.com/office/powerpoint/2010/main" xmlns:aink="http://schemas.microsoft.com/office/drawing/2016/ink" Requires="p14 aink">
+        <mc:AlternateContent xmlns:mc="http://schemas.openxmlformats.org/markup-compatibility/2006" xmlns:p14="http://schemas.microsoft.com/office/powerpoint/2010/main" xmlns:aink="http://schemas.microsoft.com/office/drawing/2016/ink">
+          <mc:Choice Requires="p14 aink">
             <p:contentPart p14:bwMode="auto" r:id="rId56">
               <p14:nvContentPartPr>
                 <p14:cNvPr id="75" name="Ink 74">
@@ -22906,7 +22910,7 @@
               </p14:xfrm>
             </p:contentPart>
           </mc:Choice>
-          <mc:Fallback>
+          <mc:Fallback xmlns="">
             <p:pic>
               <p:nvPicPr>
                 <p:cNvPr id="75" name="Ink 74">
@@ -22958,8 +22962,8 @@
             <a:chExt cx="3013920" cy="522360"/>
           </a:xfrm>
         </p:grpSpPr>
-        <mc:AlternateContent xmlns:mc="http://schemas.openxmlformats.org/markup-compatibility/2006">
-          <mc:Choice xmlns:p14="http://schemas.microsoft.com/office/powerpoint/2010/main" Requires="p14">
+        <mc:AlternateContent xmlns:mc="http://schemas.openxmlformats.org/markup-compatibility/2006" xmlns:p14="http://schemas.microsoft.com/office/powerpoint/2010/main">
+          <mc:Choice Requires="p14">
             <p:contentPart p14:bwMode="auto" r:id="rId58">
               <p14:nvContentPartPr>
                 <p14:cNvPr id="78" name="Ink 77">
@@ -22978,7 +22982,7 @@
               </p14:xfrm>
             </p:contentPart>
           </mc:Choice>
-          <mc:Fallback>
+          <mc:Fallback xmlns="">
             <p:pic>
               <p:nvPicPr>
                 <p:cNvPr id="78" name="Ink 77">
@@ -23009,8 +23013,8 @@
             </p:pic>
           </mc:Fallback>
         </mc:AlternateContent>
-        <mc:AlternateContent xmlns:mc="http://schemas.openxmlformats.org/markup-compatibility/2006">
-          <mc:Choice xmlns:p14="http://schemas.microsoft.com/office/powerpoint/2010/main" Requires="p14">
+        <mc:AlternateContent xmlns:mc="http://schemas.openxmlformats.org/markup-compatibility/2006" xmlns:p14="http://schemas.microsoft.com/office/powerpoint/2010/main">
+          <mc:Choice Requires="p14">
             <p:contentPart p14:bwMode="auto" r:id="rId60">
               <p14:nvContentPartPr>
                 <p14:cNvPr id="79" name="Ink 78">
@@ -23029,7 +23033,7 @@
               </p14:xfrm>
             </p:contentPart>
           </mc:Choice>
-          <mc:Fallback>
+          <mc:Fallback xmlns="">
             <p:pic>
               <p:nvPicPr>
                 <p:cNvPr id="79" name="Ink 78">
@@ -23060,8 +23064,8 @@
             </p:pic>
           </mc:Fallback>
         </mc:AlternateContent>
-        <mc:AlternateContent xmlns:mc="http://schemas.openxmlformats.org/markup-compatibility/2006">
-          <mc:Choice xmlns:p14="http://schemas.microsoft.com/office/powerpoint/2010/main" Requires="p14">
+        <mc:AlternateContent xmlns:mc="http://schemas.openxmlformats.org/markup-compatibility/2006" xmlns:p14="http://schemas.microsoft.com/office/powerpoint/2010/main">
+          <mc:Choice Requires="p14">
             <p:contentPart p14:bwMode="auto" r:id="rId62">
               <p14:nvContentPartPr>
                 <p14:cNvPr id="80" name="Ink 79">
@@ -23080,7 +23084,7 @@
               </p14:xfrm>
             </p:contentPart>
           </mc:Choice>
-          <mc:Fallback>
+          <mc:Fallback xmlns="">
             <p:pic>
               <p:nvPicPr>
                 <p:cNvPr id="80" name="Ink 79">
@@ -23111,8 +23115,8 @@
             </p:pic>
           </mc:Fallback>
         </mc:AlternateContent>
-        <mc:AlternateContent xmlns:mc="http://schemas.openxmlformats.org/markup-compatibility/2006">
-          <mc:Choice xmlns:p14="http://schemas.microsoft.com/office/powerpoint/2010/main" Requires="p14">
+        <mc:AlternateContent xmlns:mc="http://schemas.openxmlformats.org/markup-compatibility/2006" xmlns:p14="http://schemas.microsoft.com/office/powerpoint/2010/main">
+          <mc:Choice Requires="p14">
             <p:contentPart p14:bwMode="auto" r:id="rId64">
               <p14:nvContentPartPr>
                 <p14:cNvPr id="81" name="Ink 80">
@@ -23131,7 +23135,7 @@
               </p14:xfrm>
             </p:contentPart>
           </mc:Choice>
-          <mc:Fallback>
+          <mc:Fallback xmlns="">
             <p:pic>
               <p:nvPicPr>
                 <p:cNvPr id="81" name="Ink 80">
@@ -23162,8 +23166,8 @@
             </p:pic>
           </mc:Fallback>
         </mc:AlternateContent>
-        <mc:AlternateContent xmlns:mc="http://schemas.openxmlformats.org/markup-compatibility/2006">
-          <mc:Choice xmlns:p14="http://schemas.microsoft.com/office/powerpoint/2010/main" Requires="p14">
+        <mc:AlternateContent xmlns:mc="http://schemas.openxmlformats.org/markup-compatibility/2006" xmlns:p14="http://schemas.microsoft.com/office/powerpoint/2010/main">
+          <mc:Choice Requires="p14">
             <p:contentPart p14:bwMode="auto" r:id="rId66">
               <p14:nvContentPartPr>
                 <p14:cNvPr id="82" name="Ink 81">
@@ -23182,7 +23186,7 @@
               </p14:xfrm>
             </p:contentPart>
           </mc:Choice>
-          <mc:Fallback>
+          <mc:Fallback xmlns="">
             <p:pic>
               <p:nvPicPr>
                 <p:cNvPr id="82" name="Ink 81">
@@ -23213,8 +23217,8 @@
             </p:pic>
           </mc:Fallback>
         </mc:AlternateContent>
-        <mc:AlternateContent xmlns:mc="http://schemas.openxmlformats.org/markup-compatibility/2006">
-          <mc:Choice xmlns:p14="http://schemas.microsoft.com/office/powerpoint/2010/main" Requires="p14">
+        <mc:AlternateContent xmlns:mc="http://schemas.openxmlformats.org/markup-compatibility/2006" xmlns:p14="http://schemas.microsoft.com/office/powerpoint/2010/main">
+          <mc:Choice Requires="p14">
             <p:contentPart p14:bwMode="auto" r:id="rId68">
               <p14:nvContentPartPr>
                 <p14:cNvPr id="83" name="Ink 82">
@@ -23233,7 +23237,7 @@
               </p14:xfrm>
             </p:contentPart>
           </mc:Choice>
-          <mc:Fallback>
+          <mc:Fallback xmlns="">
             <p:pic>
               <p:nvPicPr>
                 <p:cNvPr id="83" name="Ink 82">
@@ -23264,8 +23268,8 @@
             </p:pic>
           </mc:Fallback>
         </mc:AlternateContent>
-        <mc:AlternateContent xmlns:mc="http://schemas.openxmlformats.org/markup-compatibility/2006">
-          <mc:Choice xmlns:p14="http://schemas.microsoft.com/office/powerpoint/2010/main" Requires="p14">
+        <mc:AlternateContent xmlns:mc="http://schemas.openxmlformats.org/markup-compatibility/2006" xmlns:p14="http://schemas.microsoft.com/office/powerpoint/2010/main">
+          <mc:Choice Requires="p14">
             <p:contentPart p14:bwMode="auto" r:id="rId70">
               <p14:nvContentPartPr>
                 <p14:cNvPr id="84" name="Ink 83">
@@ -23284,7 +23288,7 @@
               </p14:xfrm>
             </p:contentPart>
           </mc:Choice>
-          <mc:Fallback>
+          <mc:Fallback xmlns="">
             <p:pic>
               <p:nvPicPr>
                 <p:cNvPr id="84" name="Ink 83">
@@ -23315,8 +23319,8 @@
             </p:pic>
           </mc:Fallback>
         </mc:AlternateContent>
-        <mc:AlternateContent xmlns:mc="http://schemas.openxmlformats.org/markup-compatibility/2006">
-          <mc:Choice xmlns:p14="http://schemas.microsoft.com/office/powerpoint/2010/main" Requires="p14">
+        <mc:AlternateContent xmlns:mc="http://schemas.openxmlformats.org/markup-compatibility/2006" xmlns:p14="http://schemas.microsoft.com/office/powerpoint/2010/main">
+          <mc:Choice Requires="p14">
             <p:contentPart p14:bwMode="auto" r:id="rId72">
               <p14:nvContentPartPr>
                 <p14:cNvPr id="85" name="Ink 84">
@@ -23335,7 +23339,7 @@
               </p14:xfrm>
             </p:contentPart>
           </mc:Choice>
-          <mc:Fallback>
+          <mc:Fallback xmlns="">
             <p:pic>
               <p:nvPicPr>
                 <p:cNvPr id="85" name="Ink 84">
@@ -23366,8 +23370,8 @@
             </p:pic>
           </mc:Fallback>
         </mc:AlternateContent>
-        <mc:AlternateContent xmlns:mc="http://schemas.openxmlformats.org/markup-compatibility/2006">
-          <mc:Choice xmlns:p14="http://schemas.microsoft.com/office/powerpoint/2010/main" Requires="p14">
+        <mc:AlternateContent xmlns:mc="http://schemas.openxmlformats.org/markup-compatibility/2006" xmlns:p14="http://schemas.microsoft.com/office/powerpoint/2010/main">
+          <mc:Choice Requires="p14">
             <p:contentPart p14:bwMode="auto" r:id="rId74">
               <p14:nvContentPartPr>
                 <p14:cNvPr id="86" name="Ink 85">
@@ -23386,7 +23390,7 @@
               </p14:xfrm>
             </p:contentPart>
           </mc:Choice>
-          <mc:Fallback>
+          <mc:Fallback xmlns="">
             <p:pic>
               <p:nvPicPr>
                 <p:cNvPr id="86" name="Ink 85">
@@ -23417,8 +23421,8 @@
             </p:pic>
           </mc:Fallback>
         </mc:AlternateContent>
-        <mc:AlternateContent xmlns:mc="http://schemas.openxmlformats.org/markup-compatibility/2006">
-          <mc:Choice xmlns:p14="http://schemas.microsoft.com/office/powerpoint/2010/main" Requires="p14">
+        <mc:AlternateContent xmlns:mc="http://schemas.openxmlformats.org/markup-compatibility/2006" xmlns:p14="http://schemas.microsoft.com/office/powerpoint/2010/main">
+          <mc:Choice Requires="p14">
             <p:contentPart p14:bwMode="auto" r:id="rId76">
               <p14:nvContentPartPr>
                 <p14:cNvPr id="87" name="Ink 86">
@@ -23437,7 +23441,7 @@
               </p14:xfrm>
             </p:contentPart>
           </mc:Choice>
-          <mc:Fallback>
+          <mc:Fallback xmlns="">
             <p:pic>
               <p:nvPicPr>
                 <p:cNvPr id="87" name="Ink 86">
@@ -23468,8 +23472,8 @@
             </p:pic>
           </mc:Fallback>
         </mc:AlternateContent>
-        <mc:AlternateContent xmlns:mc="http://schemas.openxmlformats.org/markup-compatibility/2006">
-          <mc:Choice xmlns:p14="http://schemas.microsoft.com/office/powerpoint/2010/main" Requires="p14">
+        <mc:AlternateContent xmlns:mc="http://schemas.openxmlformats.org/markup-compatibility/2006" xmlns:p14="http://schemas.microsoft.com/office/powerpoint/2010/main">
+          <mc:Choice Requires="p14">
             <p:contentPart p14:bwMode="auto" r:id="rId78">
               <p14:nvContentPartPr>
                 <p14:cNvPr id="88" name="Ink 87">
@@ -23488,7 +23492,7 @@
               </p14:xfrm>
             </p:contentPart>
           </mc:Choice>
-          <mc:Fallback>
+          <mc:Fallback xmlns="">
             <p:pic>
               <p:nvPicPr>
                 <p:cNvPr id="88" name="Ink 87">
@@ -23519,8 +23523,8 @@
             </p:pic>
           </mc:Fallback>
         </mc:AlternateContent>
-        <mc:AlternateContent xmlns:mc="http://schemas.openxmlformats.org/markup-compatibility/2006">
-          <mc:Choice xmlns:p14="http://schemas.microsoft.com/office/powerpoint/2010/main" Requires="p14">
+        <mc:AlternateContent xmlns:mc="http://schemas.openxmlformats.org/markup-compatibility/2006" xmlns:p14="http://schemas.microsoft.com/office/powerpoint/2010/main">
+          <mc:Choice Requires="p14">
             <p:contentPart p14:bwMode="auto" r:id="rId80">
               <p14:nvContentPartPr>
                 <p14:cNvPr id="89" name="Ink 88">
@@ -23539,7 +23543,7 @@
               </p14:xfrm>
             </p:contentPart>
           </mc:Choice>
-          <mc:Fallback>
+          <mc:Fallback xmlns="">
             <p:pic>
               <p:nvPicPr>
                 <p:cNvPr id="89" name="Ink 88">
@@ -23570,8 +23574,8 @@
             </p:pic>
           </mc:Fallback>
         </mc:AlternateContent>
-        <mc:AlternateContent xmlns:mc="http://schemas.openxmlformats.org/markup-compatibility/2006">
-          <mc:Choice xmlns:p14="http://schemas.microsoft.com/office/powerpoint/2010/main" Requires="p14">
+        <mc:AlternateContent xmlns:mc="http://schemas.openxmlformats.org/markup-compatibility/2006" xmlns:p14="http://schemas.microsoft.com/office/powerpoint/2010/main">
+          <mc:Choice Requires="p14">
             <p:contentPart p14:bwMode="auto" r:id="rId82">
               <p14:nvContentPartPr>
                 <p14:cNvPr id="90" name="Ink 89">
@@ -23590,7 +23594,7 @@
               </p14:xfrm>
             </p:contentPart>
           </mc:Choice>
-          <mc:Fallback>
+          <mc:Fallback xmlns="">
             <p:pic>
               <p:nvPicPr>
                 <p:cNvPr id="90" name="Ink 89">
@@ -23621,8 +23625,8 @@
             </p:pic>
           </mc:Fallback>
         </mc:AlternateContent>
-        <mc:AlternateContent xmlns:mc="http://schemas.openxmlformats.org/markup-compatibility/2006">
-          <mc:Choice xmlns:p14="http://schemas.microsoft.com/office/powerpoint/2010/main" Requires="p14">
+        <mc:AlternateContent xmlns:mc="http://schemas.openxmlformats.org/markup-compatibility/2006" xmlns:p14="http://schemas.microsoft.com/office/powerpoint/2010/main">
+          <mc:Choice Requires="p14">
             <p:contentPart p14:bwMode="auto" r:id="rId84">
               <p14:nvContentPartPr>
                 <p14:cNvPr id="91" name="Ink 90">
@@ -23641,7 +23645,7 @@
               </p14:xfrm>
             </p:contentPart>
           </mc:Choice>
-          <mc:Fallback>
+          <mc:Fallback xmlns="">
             <p:pic>
               <p:nvPicPr>
                 <p:cNvPr id="91" name="Ink 90">
@@ -23672,8 +23676,8 @@
             </p:pic>
           </mc:Fallback>
         </mc:AlternateContent>
-        <mc:AlternateContent xmlns:mc="http://schemas.openxmlformats.org/markup-compatibility/2006">
-          <mc:Choice xmlns:p14="http://schemas.microsoft.com/office/powerpoint/2010/main" Requires="p14">
+        <mc:AlternateContent xmlns:mc="http://schemas.openxmlformats.org/markup-compatibility/2006" xmlns:p14="http://schemas.microsoft.com/office/powerpoint/2010/main">
+          <mc:Choice Requires="p14">
             <p:contentPart p14:bwMode="auto" r:id="rId86">
               <p14:nvContentPartPr>
                 <p14:cNvPr id="92" name="Ink 91">
@@ -23692,7 +23696,7 @@
               </p14:xfrm>
             </p:contentPart>
           </mc:Choice>
-          <mc:Fallback>
+          <mc:Fallback xmlns="">
             <p:pic>
               <p:nvPicPr>
                 <p:cNvPr id="92" name="Ink 91">
@@ -23723,8 +23727,8 @@
             </p:pic>
           </mc:Fallback>
         </mc:AlternateContent>
-        <mc:AlternateContent xmlns:mc="http://schemas.openxmlformats.org/markup-compatibility/2006">
-          <mc:Choice xmlns:p14="http://schemas.microsoft.com/office/powerpoint/2010/main" Requires="p14">
+        <mc:AlternateContent xmlns:mc="http://schemas.openxmlformats.org/markup-compatibility/2006" xmlns:p14="http://schemas.microsoft.com/office/powerpoint/2010/main">
+          <mc:Choice Requires="p14">
             <p:contentPart p14:bwMode="auto" r:id="rId88">
               <p14:nvContentPartPr>
                 <p14:cNvPr id="93" name="Ink 92">
@@ -23743,7 +23747,7 @@
               </p14:xfrm>
             </p:contentPart>
           </mc:Choice>
-          <mc:Fallback>
+          <mc:Fallback xmlns="">
             <p:pic>
               <p:nvPicPr>
                 <p:cNvPr id="93" name="Ink 92">
@@ -23774,8 +23778,8 @@
             </p:pic>
           </mc:Fallback>
         </mc:AlternateContent>
-        <mc:AlternateContent xmlns:mc="http://schemas.openxmlformats.org/markup-compatibility/2006">
-          <mc:Choice xmlns:p14="http://schemas.microsoft.com/office/powerpoint/2010/main" Requires="p14">
+        <mc:AlternateContent xmlns:mc="http://schemas.openxmlformats.org/markup-compatibility/2006" xmlns:p14="http://schemas.microsoft.com/office/powerpoint/2010/main">
+          <mc:Choice Requires="p14">
             <p:contentPart p14:bwMode="auto" r:id="rId90">
               <p14:nvContentPartPr>
                 <p14:cNvPr id="94" name="Ink 93">
@@ -23794,7 +23798,7 @@
               </p14:xfrm>
             </p:contentPart>
           </mc:Choice>
-          <mc:Fallback>
+          <mc:Fallback xmlns="">
             <p:pic>
               <p:nvPicPr>
                 <p:cNvPr id="94" name="Ink 93">
@@ -23825,8 +23829,8 @@
             </p:pic>
           </mc:Fallback>
         </mc:AlternateContent>
-        <mc:AlternateContent xmlns:mc="http://schemas.openxmlformats.org/markup-compatibility/2006">
-          <mc:Choice xmlns:p14="http://schemas.microsoft.com/office/powerpoint/2010/main" Requires="p14">
+        <mc:AlternateContent xmlns:mc="http://schemas.openxmlformats.org/markup-compatibility/2006" xmlns:p14="http://schemas.microsoft.com/office/powerpoint/2010/main">
+          <mc:Choice Requires="p14">
             <p:contentPart p14:bwMode="auto" r:id="rId92">
               <p14:nvContentPartPr>
                 <p14:cNvPr id="95" name="Ink 94">
@@ -23845,7 +23849,7 @@
               </p14:xfrm>
             </p:contentPart>
           </mc:Choice>
-          <mc:Fallback>
+          <mc:Fallback xmlns="">
             <p:pic>
               <p:nvPicPr>
                 <p:cNvPr id="95" name="Ink 94">
@@ -23876,8 +23880,8 @@
             </p:pic>
           </mc:Fallback>
         </mc:AlternateContent>
-        <mc:AlternateContent xmlns:mc="http://schemas.openxmlformats.org/markup-compatibility/2006">
-          <mc:Choice xmlns:p14="http://schemas.microsoft.com/office/powerpoint/2010/main" Requires="p14">
+        <mc:AlternateContent xmlns:mc="http://schemas.openxmlformats.org/markup-compatibility/2006" xmlns:p14="http://schemas.microsoft.com/office/powerpoint/2010/main">
+          <mc:Choice Requires="p14">
             <p:contentPart p14:bwMode="auto" r:id="rId94">
               <p14:nvContentPartPr>
                 <p14:cNvPr id="96" name="Ink 95">
@@ -23896,7 +23900,7 @@
               </p14:xfrm>
             </p:contentPart>
           </mc:Choice>
-          <mc:Fallback>
+          <mc:Fallback xmlns="">
             <p:pic>
               <p:nvPicPr>
                 <p:cNvPr id="96" name="Ink 95">
@@ -23927,8 +23931,8 @@
             </p:pic>
           </mc:Fallback>
         </mc:AlternateContent>
-        <mc:AlternateContent xmlns:mc="http://schemas.openxmlformats.org/markup-compatibility/2006">
-          <mc:Choice xmlns:p14="http://schemas.microsoft.com/office/powerpoint/2010/main" Requires="p14">
+        <mc:AlternateContent xmlns:mc="http://schemas.openxmlformats.org/markup-compatibility/2006" xmlns:p14="http://schemas.microsoft.com/office/powerpoint/2010/main">
+          <mc:Choice Requires="p14">
             <p:contentPart p14:bwMode="auto" r:id="rId96">
               <p14:nvContentPartPr>
                 <p14:cNvPr id="97" name="Ink 96">
@@ -23947,7 +23951,7 @@
               </p14:xfrm>
             </p:contentPart>
           </mc:Choice>
-          <mc:Fallback>
+          <mc:Fallback xmlns="">
             <p:pic>
               <p:nvPicPr>
                 <p:cNvPr id="97" name="Ink 96">
@@ -23978,8 +23982,8 @@
             </p:pic>
           </mc:Fallback>
         </mc:AlternateContent>
-        <mc:AlternateContent xmlns:mc="http://schemas.openxmlformats.org/markup-compatibility/2006">
-          <mc:Choice xmlns:p14="http://schemas.microsoft.com/office/powerpoint/2010/main" Requires="p14">
+        <mc:AlternateContent xmlns:mc="http://schemas.openxmlformats.org/markup-compatibility/2006" xmlns:p14="http://schemas.microsoft.com/office/powerpoint/2010/main">
+          <mc:Choice Requires="p14">
             <p:contentPart p14:bwMode="auto" r:id="rId98">
               <p14:nvContentPartPr>
                 <p14:cNvPr id="98" name="Ink 97">
@@ -23998,7 +24002,7 @@
               </p14:xfrm>
             </p:contentPart>
           </mc:Choice>
-          <mc:Fallback>
+          <mc:Fallback xmlns="">
             <p:pic>
               <p:nvPicPr>
                 <p:cNvPr id="98" name="Ink 97">
@@ -24029,8 +24033,8 @@
             </p:pic>
           </mc:Fallback>
         </mc:AlternateContent>
-        <mc:AlternateContent xmlns:mc="http://schemas.openxmlformats.org/markup-compatibility/2006">
-          <mc:Choice xmlns:p14="http://schemas.microsoft.com/office/powerpoint/2010/main" Requires="p14">
+        <mc:AlternateContent xmlns:mc="http://schemas.openxmlformats.org/markup-compatibility/2006" xmlns:p14="http://schemas.microsoft.com/office/powerpoint/2010/main">
+          <mc:Choice Requires="p14">
             <p:contentPart p14:bwMode="auto" r:id="rId100">
               <p14:nvContentPartPr>
                 <p14:cNvPr id="99" name="Ink 98">
@@ -24049,7 +24053,7 @@
               </p14:xfrm>
             </p:contentPart>
           </mc:Choice>
-          <mc:Fallback>
+          <mc:Fallback xmlns="">
             <p:pic>
               <p:nvPicPr>
                 <p:cNvPr id="99" name="Ink 98">
@@ -24080,8 +24084,8 @@
             </p:pic>
           </mc:Fallback>
         </mc:AlternateContent>
-        <mc:AlternateContent xmlns:mc="http://schemas.openxmlformats.org/markup-compatibility/2006">
-          <mc:Choice xmlns:p14="http://schemas.microsoft.com/office/powerpoint/2010/main" Requires="p14">
+        <mc:AlternateContent xmlns:mc="http://schemas.openxmlformats.org/markup-compatibility/2006" xmlns:p14="http://schemas.microsoft.com/office/powerpoint/2010/main">
+          <mc:Choice Requires="p14">
             <p:contentPart p14:bwMode="auto" r:id="rId102">
               <p14:nvContentPartPr>
                 <p14:cNvPr id="100" name="Ink 99">
@@ -24100,7 +24104,7 @@
               </p14:xfrm>
             </p:contentPart>
           </mc:Choice>
-          <mc:Fallback>
+          <mc:Fallback xmlns="">
             <p:pic>
               <p:nvPicPr>
                 <p:cNvPr id="100" name="Ink 99">
@@ -24131,8 +24135,8 @@
             </p:pic>
           </mc:Fallback>
         </mc:AlternateContent>
-        <mc:AlternateContent xmlns:mc="http://schemas.openxmlformats.org/markup-compatibility/2006">
-          <mc:Choice xmlns:p14="http://schemas.microsoft.com/office/powerpoint/2010/main" Requires="p14">
+        <mc:AlternateContent xmlns:mc="http://schemas.openxmlformats.org/markup-compatibility/2006" xmlns:p14="http://schemas.microsoft.com/office/powerpoint/2010/main">
+          <mc:Choice Requires="p14">
             <p:contentPart p14:bwMode="auto" r:id="rId104">
               <p14:nvContentPartPr>
                 <p14:cNvPr id="101" name="Ink 100">
@@ -24151,7 +24155,7 @@
               </p14:xfrm>
             </p:contentPart>
           </mc:Choice>
-          <mc:Fallback>
+          <mc:Fallback xmlns="">
             <p:pic>
               <p:nvPicPr>
                 <p:cNvPr id="101" name="Ink 100">
@@ -24182,8 +24186,8 @@
             </p:pic>
           </mc:Fallback>
         </mc:AlternateContent>
-        <mc:AlternateContent xmlns:mc="http://schemas.openxmlformats.org/markup-compatibility/2006">
-          <mc:Choice xmlns:p14="http://schemas.microsoft.com/office/powerpoint/2010/main" Requires="p14">
+        <mc:AlternateContent xmlns:mc="http://schemas.openxmlformats.org/markup-compatibility/2006" xmlns:p14="http://schemas.microsoft.com/office/powerpoint/2010/main">
+          <mc:Choice Requires="p14">
             <p:contentPart p14:bwMode="auto" r:id="rId106">
               <p14:nvContentPartPr>
                 <p14:cNvPr id="102" name="Ink 101">
@@ -24202,7 +24206,7 @@
               </p14:xfrm>
             </p:contentPart>
           </mc:Choice>
-          <mc:Fallback>
+          <mc:Fallback xmlns="">
             <p:pic>
               <p:nvPicPr>
                 <p:cNvPr id="102" name="Ink 101">
@@ -24233,8 +24237,8 @@
             </p:pic>
           </mc:Fallback>
         </mc:AlternateContent>
-        <mc:AlternateContent xmlns:mc="http://schemas.openxmlformats.org/markup-compatibility/2006">
-          <mc:Choice xmlns:p14="http://schemas.microsoft.com/office/powerpoint/2010/main" Requires="p14">
+        <mc:AlternateContent xmlns:mc="http://schemas.openxmlformats.org/markup-compatibility/2006" xmlns:p14="http://schemas.microsoft.com/office/powerpoint/2010/main">
+          <mc:Choice Requires="p14">
             <p:contentPart p14:bwMode="auto" r:id="rId108">
               <p14:nvContentPartPr>
                 <p14:cNvPr id="103" name="Ink 102">
@@ -24253,7 +24257,7 @@
               </p14:xfrm>
             </p:contentPart>
           </mc:Choice>
-          <mc:Fallback>
+          <mc:Fallback xmlns="">
             <p:pic>
               <p:nvPicPr>
                 <p:cNvPr id="103" name="Ink 102">
@@ -24284,8 +24288,8 @@
             </p:pic>
           </mc:Fallback>
         </mc:AlternateContent>
-        <mc:AlternateContent xmlns:mc="http://schemas.openxmlformats.org/markup-compatibility/2006">
-          <mc:Choice xmlns:p14="http://schemas.microsoft.com/office/powerpoint/2010/main" Requires="p14">
+        <mc:AlternateContent xmlns:mc="http://schemas.openxmlformats.org/markup-compatibility/2006" xmlns:p14="http://schemas.microsoft.com/office/powerpoint/2010/main">
+          <mc:Choice Requires="p14">
             <p:contentPart p14:bwMode="auto" r:id="rId110">
               <p14:nvContentPartPr>
                 <p14:cNvPr id="104" name="Ink 103">
@@ -24304,7 +24308,7 @@
               </p14:xfrm>
             </p:contentPart>
           </mc:Choice>
-          <mc:Fallback>
+          <mc:Fallback xmlns="">
             <p:pic>
               <p:nvPicPr>
                 <p:cNvPr id="104" name="Ink 103">
@@ -24335,8 +24339,8 @@
             </p:pic>
           </mc:Fallback>
         </mc:AlternateContent>
-        <mc:AlternateContent xmlns:mc="http://schemas.openxmlformats.org/markup-compatibility/2006">
-          <mc:Choice xmlns:p14="http://schemas.microsoft.com/office/powerpoint/2010/main" Requires="p14">
+        <mc:AlternateContent xmlns:mc="http://schemas.openxmlformats.org/markup-compatibility/2006" xmlns:p14="http://schemas.microsoft.com/office/powerpoint/2010/main">
+          <mc:Choice Requires="p14">
             <p:contentPart p14:bwMode="auto" r:id="rId112">
               <p14:nvContentPartPr>
                 <p14:cNvPr id="105" name="Ink 104">
@@ -24355,7 +24359,7 @@
               </p14:xfrm>
             </p:contentPart>
           </mc:Choice>
-          <mc:Fallback>
+          <mc:Fallback xmlns="">
             <p:pic>
               <p:nvPicPr>
                 <p:cNvPr id="105" name="Ink 104">
@@ -24386,8 +24390,8 @@
             </p:pic>
           </mc:Fallback>
         </mc:AlternateContent>
-        <mc:AlternateContent xmlns:mc="http://schemas.openxmlformats.org/markup-compatibility/2006">
-          <mc:Choice xmlns:p14="http://schemas.microsoft.com/office/powerpoint/2010/main" Requires="p14">
+        <mc:AlternateContent xmlns:mc="http://schemas.openxmlformats.org/markup-compatibility/2006" xmlns:p14="http://schemas.microsoft.com/office/powerpoint/2010/main">
+          <mc:Choice Requires="p14">
             <p:contentPart p14:bwMode="auto" r:id="rId114">
               <p14:nvContentPartPr>
                 <p14:cNvPr id="106" name="Ink 105">
@@ -24406,7 +24410,7 @@
               </p14:xfrm>
             </p:contentPart>
           </mc:Choice>
-          <mc:Fallback>
+          <mc:Fallback xmlns="">
             <p:pic>
               <p:nvPicPr>
                 <p:cNvPr id="106" name="Ink 105">
@@ -24437,8 +24441,8 @@
             </p:pic>
           </mc:Fallback>
         </mc:AlternateContent>
-        <mc:AlternateContent xmlns:mc="http://schemas.openxmlformats.org/markup-compatibility/2006">
-          <mc:Choice xmlns:p14="http://schemas.microsoft.com/office/powerpoint/2010/main" Requires="p14">
+        <mc:AlternateContent xmlns:mc="http://schemas.openxmlformats.org/markup-compatibility/2006" xmlns:p14="http://schemas.microsoft.com/office/powerpoint/2010/main">
+          <mc:Choice Requires="p14">
             <p:contentPart p14:bwMode="auto" r:id="rId115">
               <p14:nvContentPartPr>
                 <p14:cNvPr id="107" name="Ink 106">
@@ -24457,7 +24461,7 @@
               </p14:xfrm>
             </p:contentPart>
           </mc:Choice>
-          <mc:Fallback>
+          <mc:Fallback xmlns="">
             <p:pic>
               <p:nvPicPr>
                 <p:cNvPr id="107" name="Ink 106">
@@ -24488,8 +24492,8 @@
             </p:pic>
           </mc:Fallback>
         </mc:AlternateContent>
-        <mc:AlternateContent xmlns:mc="http://schemas.openxmlformats.org/markup-compatibility/2006">
-          <mc:Choice xmlns:p14="http://schemas.microsoft.com/office/powerpoint/2010/main" Requires="p14">
+        <mc:AlternateContent xmlns:mc="http://schemas.openxmlformats.org/markup-compatibility/2006" xmlns:p14="http://schemas.microsoft.com/office/powerpoint/2010/main">
+          <mc:Choice Requires="p14">
             <p:contentPart p14:bwMode="auto" r:id="rId117">
               <p14:nvContentPartPr>
                 <p14:cNvPr id="108" name="Ink 107">
@@ -24508,7 +24512,7 @@
               </p14:xfrm>
             </p:contentPart>
           </mc:Choice>
-          <mc:Fallback>
+          <mc:Fallback xmlns="">
             <p:pic>
               <p:nvPicPr>
                 <p:cNvPr id="108" name="Ink 107">
@@ -24539,8 +24543,8 @@
             </p:pic>
           </mc:Fallback>
         </mc:AlternateContent>
-        <mc:AlternateContent xmlns:mc="http://schemas.openxmlformats.org/markup-compatibility/2006">
-          <mc:Choice xmlns:p14="http://schemas.microsoft.com/office/powerpoint/2010/main" Requires="p14">
+        <mc:AlternateContent xmlns:mc="http://schemas.openxmlformats.org/markup-compatibility/2006" xmlns:p14="http://schemas.microsoft.com/office/powerpoint/2010/main">
+          <mc:Choice Requires="p14">
             <p:contentPart p14:bwMode="auto" r:id="rId119">
               <p14:nvContentPartPr>
                 <p14:cNvPr id="109" name="Ink 108">
@@ -24559,7 +24563,7 @@
               </p14:xfrm>
             </p:contentPart>
           </mc:Choice>
-          <mc:Fallback>
+          <mc:Fallback xmlns="">
             <p:pic>
               <p:nvPicPr>
                 <p:cNvPr id="109" name="Ink 108">
@@ -24590,8 +24594,8 @@
             </p:pic>
           </mc:Fallback>
         </mc:AlternateContent>
-        <mc:AlternateContent xmlns:mc="http://schemas.openxmlformats.org/markup-compatibility/2006">
-          <mc:Choice xmlns:p14="http://schemas.microsoft.com/office/powerpoint/2010/main" Requires="p14">
+        <mc:AlternateContent xmlns:mc="http://schemas.openxmlformats.org/markup-compatibility/2006" xmlns:p14="http://schemas.microsoft.com/office/powerpoint/2010/main">
+          <mc:Choice Requires="p14">
             <p:contentPart p14:bwMode="auto" r:id="rId121">
               <p14:nvContentPartPr>
                 <p14:cNvPr id="110" name="Ink 109">
@@ -24610,7 +24614,7 @@
               </p14:xfrm>
             </p:contentPart>
           </mc:Choice>
-          <mc:Fallback>
+          <mc:Fallback xmlns="">
             <p:pic>
               <p:nvPicPr>
                 <p:cNvPr id="110" name="Ink 109">
@@ -24641,8 +24645,8 @@
             </p:pic>
           </mc:Fallback>
         </mc:AlternateContent>
-        <mc:AlternateContent xmlns:mc="http://schemas.openxmlformats.org/markup-compatibility/2006">
-          <mc:Choice xmlns:p14="http://schemas.microsoft.com/office/powerpoint/2010/main" Requires="p14">
+        <mc:AlternateContent xmlns:mc="http://schemas.openxmlformats.org/markup-compatibility/2006" xmlns:p14="http://schemas.microsoft.com/office/powerpoint/2010/main">
+          <mc:Choice Requires="p14">
             <p:contentPart p14:bwMode="auto" r:id="rId123">
               <p14:nvContentPartPr>
                 <p14:cNvPr id="111" name="Ink 110">
@@ -24661,7 +24665,7 @@
               </p14:xfrm>
             </p:contentPart>
           </mc:Choice>
-          <mc:Fallback>
+          <mc:Fallback xmlns="">
             <p:pic>
               <p:nvPicPr>
                 <p:cNvPr id="111" name="Ink 110">
@@ -24692,8 +24696,8 @@
             </p:pic>
           </mc:Fallback>
         </mc:AlternateContent>
-        <mc:AlternateContent xmlns:mc="http://schemas.openxmlformats.org/markup-compatibility/2006">
-          <mc:Choice xmlns:p14="http://schemas.microsoft.com/office/powerpoint/2010/main" Requires="p14">
+        <mc:AlternateContent xmlns:mc="http://schemas.openxmlformats.org/markup-compatibility/2006" xmlns:p14="http://schemas.microsoft.com/office/powerpoint/2010/main">
+          <mc:Choice Requires="p14">
             <p:contentPart p14:bwMode="auto" r:id="rId125">
               <p14:nvContentPartPr>
                 <p14:cNvPr id="112" name="Ink 111">
@@ -24712,7 +24716,7 @@
               </p14:xfrm>
             </p:contentPart>
           </mc:Choice>
-          <mc:Fallback>
+          <mc:Fallback xmlns="">
             <p:pic>
               <p:nvPicPr>
                 <p:cNvPr id="112" name="Ink 111">
@@ -24764,8 +24768,8 @@
             <a:chExt cx="1175400" cy="209160"/>
           </a:xfrm>
         </p:grpSpPr>
-        <mc:AlternateContent xmlns:mc="http://schemas.openxmlformats.org/markup-compatibility/2006">
-          <mc:Choice xmlns:p14="http://schemas.microsoft.com/office/powerpoint/2010/main" xmlns:aink="http://schemas.microsoft.com/office/drawing/2016/ink" Requires="p14 aink">
+        <mc:AlternateContent xmlns:mc="http://schemas.openxmlformats.org/markup-compatibility/2006" xmlns:p14="http://schemas.microsoft.com/office/powerpoint/2010/main" xmlns:aink="http://schemas.microsoft.com/office/drawing/2016/ink">
+          <mc:Choice Requires="p14 aink">
             <p:contentPart p14:bwMode="auto" r:id="rId127">
               <p14:nvContentPartPr>
                 <p14:cNvPr id="114" name="Ink 113">
@@ -24784,7 +24788,7 @@
               </p14:xfrm>
             </p:contentPart>
           </mc:Choice>
-          <mc:Fallback>
+          <mc:Fallback xmlns="">
             <p:pic>
               <p:nvPicPr>
                 <p:cNvPr id="114" name="Ink 113">
@@ -24815,8 +24819,8 @@
             </p:pic>
           </mc:Fallback>
         </mc:AlternateContent>
-        <mc:AlternateContent xmlns:mc="http://schemas.openxmlformats.org/markup-compatibility/2006">
-          <mc:Choice xmlns:p14="http://schemas.microsoft.com/office/powerpoint/2010/main" xmlns:aink="http://schemas.microsoft.com/office/drawing/2016/ink" Requires="p14 aink">
+        <mc:AlternateContent xmlns:mc="http://schemas.openxmlformats.org/markup-compatibility/2006" xmlns:p14="http://schemas.microsoft.com/office/powerpoint/2010/main" xmlns:aink="http://schemas.microsoft.com/office/drawing/2016/ink">
+          <mc:Choice Requires="p14 aink">
             <p:contentPart p14:bwMode="auto" r:id="rId129">
               <p14:nvContentPartPr>
                 <p14:cNvPr id="115" name="Ink 114">
@@ -24835,7 +24839,7 @@
               </p14:xfrm>
             </p:contentPart>
           </mc:Choice>
-          <mc:Fallback>
+          <mc:Fallback xmlns="">
             <p:pic>
               <p:nvPicPr>
                 <p:cNvPr id="115" name="Ink 114">
@@ -24866,8 +24870,8 @@
             </p:pic>
           </mc:Fallback>
         </mc:AlternateContent>
-        <mc:AlternateContent xmlns:mc="http://schemas.openxmlformats.org/markup-compatibility/2006">
-          <mc:Choice xmlns:p14="http://schemas.microsoft.com/office/powerpoint/2010/main" xmlns:aink="http://schemas.microsoft.com/office/drawing/2016/ink" Requires="p14 aink">
+        <mc:AlternateContent xmlns:mc="http://schemas.openxmlformats.org/markup-compatibility/2006" xmlns:p14="http://schemas.microsoft.com/office/powerpoint/2010/main" xmlns:aink="http://schemas.microsoft.com/office/drawing/2016/ink">
+          <mc:Choice Requires="p14 aink">
             <p:contentPart p14:bwMode="auto" r:id="rId131">
               <p14:nvContentPartPr>
                 <p14:cNvPr id="117" name="Ink 116">
@@ -24886,7 +24890,7 @@
               </p14:xfrm>
             </p:contentPart>
           </mc:Choice>
-          <mc:Fallback>
+          <mc:Fallback xmlns="">
             <p:pic>
               <p:nvPicPr>
                 <p:cNvPr id="117" name="Ink 116">
@@ -24922,6 +24926,1000 @@
     <p:extLst>
       <p:ext uri="{BB962C8B-B14F-4D97-AF65-F5344CB8AC3E}">
         <p14:creationId xmlns:p14="http://schemas.microsoft.com/office/powerpoint/2010/main" val="3277563662"/>
+      </p:ext>
+    </p:extLst>
+  </p:cSld>
+  <p:clrMapOvr>
+    <a:masterClrMapping/>
+  </p:clrMapOvr>
+</p:sld>
+</file>
+
+<file path=ppt/slides/slide6.xml><?xml version="1.0" encoding="utf-8"?>
+<p:sld xmlns:a="http://schemas.openxmlformats.org/drawingml/2006/main" xmlns:r="http://schemas.openxmlformats.org/officeDocument/2006/relationships" xmlns:p="http://schemas.openxmlformats.org/presentationml/2006/main">
+  <p:cSld>
+    <p:spTree>
+      <p:nvGrpSpPr>
+        <p:cNvPr id="1" name=""/>
+        <p:cNvGrpSpPr/>
+        <p:nvPr/>
+      </p:nvGrpSpPr>
+      <p:grpSpPr>
+        <a:xfrm>
+          <a:off x="0" y="0"/>
+          <a:ext cx="0" cy="0"/>
+          <a:chOff x="0" y="0"/>
+          <a:chExt cx="0" cy="0"/>
+        </a:xfrm>
+      </p:grpSpPr>
+      <p:pic>
+        <p:nvPicPr>
+          <p:cNvPr id="1026" name="Picture 2">
+            <a:extLst>
+              <a:ext uri="{FF2B5EF4-FFF2-40B4-BE49-F238E27FC236}">
+                <a16:creationId xmlns:a16="http://schemas.microsoft.com/office/drawing/2014/main" id="{4D63664B-7F20-45CC-9E67-ABCE150116CE}"/>
+              </a:ext>
+            </a:extLst>
+          </p:cNvPr>
+          <p:cNvPicPr>
+            <a:picLocks noChangeAspect="1" noChangeArrowheads="1" noCrop="1"/>
+          </p:cNvPicPr>
+          <p:nvPr/>
+        </p:nvPicPr>
+        <p:blipFill>
+          <a:blip r:embed="rId2">
+            <a:extLst>
+              <a:ext uri="{28A0092B-C50C-407E-A947-70E740481C1C}">
+                <a14:useLocalDpi xmlns:a14="http://schemas.microsoft.com/office/drawing/2010/main" val="0"/>
+              </a:ext>
+            </a:extLst>
+          </a:blip>
+          <a:srcRect/>
+          <a:stretch>
+            <a:fillRect/>
+          </a:stretch>
+        </p:blipFill>
+        <p:spPr bwMode="auto">
+          <a:xfrm>
+            <a:off x="981075" y="1485361"/>
+            <a:ext cx="9104631" cy="5153564"/>
+          </a:xfrm>
+          <a:prstGeom prst="rect">
+            <a:avLst/>
+          </a:prstGeom>
+          <a:noFill/>
+          <a:extLst>
+            <a:ext uri="{909E8E84-426E-40DD-AFC4-6F175D3DCCD1}">
+              <a14:hiddenFill xmlns:a14="http://schemas.microsoft.com/office/drawing/2010/main">
+                <a:solidFill>
+                  <a:srgbClr val="FFFFFF"/>
+                </a:solidFill>
+              </a14:hiddenFill>
+            </a:ext>
+          </a:extLst>
+        </p:spPr>
+      </p:pic>
+      <p:cxnSp>
+        <p:nvCxnSpPr>
+          <p:cNvPr id="3" name="Straight Arrow Connector 2">
+            <a:extLst>
+              <a:ext uri="{FF2B5EF4-FFF2-40B4-BE49-F238E27FC236}">
+                <a16:creationId xmlns:a16="http://schemas.microsoft.com/office/drawing/2014/main" id="{10DA648F-EA83-415D-9B71-C18C7CFF033E}"/>
+              </a:ext>
+            </a:extLst>
+          </p:cNvPr>
+          <p:cNvCxnSpPr>
+            <a:cxnSpLocks/>
+          </p:cNvCxnSpPr>
+          <p:nvPr/>
+        </p:nvCxnSpPr>
+        <p:spPr>
+          <a:xfrm flipV="1">
+            <a:off x="4405630" y="243840"/>
+            <a:ext cx="0" cy="1076835"/>
+          </a:xfrm>
+          <a:prstGeom prst="straightConnector1">
+            <a:avLst/>
+          </a:prstGeom>
+          <a:ln w="69850">
+            <a:solidFill>
+              <a:srgbClr val="FF0000"/>
+            </a:solidFill>
+            <a:tailEnd type="triangle"/>
+          </a:ln>
+        </p:spPr>
+        <p:style>
+          <a:lnRef idx="1">
+            <a:schemeClr val="accent1"/>
+          </a:lnRef>
+          <a:fillRef idx="0">
+            <a:schemeClr val="accent1"/>
+          </a:fillRef>
+          <a:effectRef idx="0">
+            <a:schemeClr val="accent1"/>
+          </a:effectRef>
+          <a:fontRef idx="minor">
+            <a:schemeClr val="tx1"/>
+          </a:fontRef>
+        </p:style>
+      </p:cxnSp>
+      <p:cxnSp>
+        <p:nvCxnSpPr>
+          <p:cNvPr id="6" name="Straight Arrow Connector 5">
+            <a:extLst>
+              <a:ext uri="{FF2B5EF4-FFF2-40B4-BE49-F238E27FC236}">
+                <a16:creationId xmlns:a16="http://schemas.microsoft.com/office/drawing/2014/main" id="{87C79A5F-3EEA-429C-8E54-CE0CAD784C1C}"/>
+              </a:ext>
+            </a:extLst>
+          </p:cNvPr>
+          <p:cNvCxnSpPr>
+            <a:cxnSpLocks/>
+          </p:cNvCxnSpPr>
+          <p:nvPr/>
+        </p:nvCxnSpPr>
+        <p:spPr>
+          <a:xfrm flipV="1">
+            <a:off x="6427470" y="243840"/>
+            <a:ext cx="0" cy="1076835"/>
+          </a:xfrm>
+          <a:prstGeom prst="straightConnector1">
+            <a:avLst/>
+          </a:prstGeom>
+          <a:ln w="69850">
+            <a:solidFill>
+              <a:srgbClr val="FF0000"/>
+            </a:solidFill>
+            <a:tailEnd type="triangle"/>
+          </a:ln>
+        </p:spPr>
+        <p:style>
+          <a:lnRef idx="1">
+            <a:schemeClr val="accent1"/>
+          </a:lnRef>
+          <a:fillRef idx="0">
+            <a:schemeClr val="accent1"/>
+          </a:fillRef>
+          <a:effectRef idx="0">
+            <a:schemeClr val="accent1"/>
+          </a:effectRef>
+          <a:fontRef idx="minor">
+            <a:schemeClr val="tx1"/>
+          </a:fontRef>
+        </p:style>
+      </p:cxnSp>
+    </p:spTree>
+    <p:extLst>
+      <p:ext uri="{BB962C8B-B14F-4D97-AF65-F5344CB8AC3E}">
+        <p14:creationId xmlns:p14="http://schemas.microsoft.com/office/powerpoint/2010/main" val="3709968316"/>
+      </p:ext>
+    </p:extLst>
+  </p:cSld>
+  <p:clrMapOvr>
+    <a:masterClrMapping/>
+  </p:clrMapOvr>
+</p:sld>
+</file>
+
+<file path=ppt/slides/slide7.xml><?xml version="1.0" encoding="utf-8"?>
+<p:sld xmlns:a="http://schemas.openxmlformats.org/drawingml/2006/main" xmlns:r="http://schemas.openxmlformats.org/officeDocument/2006/relationships" xmlns:p="http://schemas.openxmlformats.org/presentationml/2006/main">
+  <p:cSld>
+    <p:spTree>
+      <p:nvGrpSpPr>
+        <p:cNvPr id="1" name=""/>
+        <p:cNvGrpSpPr/>
+        <p:nvPr/>
+      </p:nvGrpSpPr>
+      <p:grpSpPr>
+        <a:xfrm>
+          <a:off x="0" y="0"/>
+          <a:ext cx="0" cy="0"/>
+          <a:chOff x="0" y="0"/>
+          <a:chExt cx="0" cy="0"/>
+        </a:xfrm>
+      </p:grpSpPr>
+      <p:pic>
+        <p:nvPicPr>
+          <p:cNvPr id="4" name="Picture 3">
+            <a:extLst>
+              <a:ext uri="{FF2B5EF4-FFF2-40B4-BE49-F238E27FC236}">
+                <a16:creationId xmlns:a16="http://schemas.microsoft.com/office/drawing/2014/main" id="{7C2F504F-310D-4C49-B76E-4EF90664F291}"/>
+              </a:ext>
+            </a:extLst>
+          </p:cNvPr>
+          <p:cNvPicPr>
+            <a:picLocks noChangeAspect="1"/>
+          </p:cNvPicPr>
+          <p:nvPr/>
+        </p:nvPicPr>
+        <p:blipFill rotWithShape="1">
+          <a:blip r:embed="rId2"/>
+          <a:srcRect l="19917" t="21778" r="29750" b="2963"/>
+          <a:stretch/>
+        </p:blipFill>
+        <p:spPr>
+          <a:xfrm>
+            <a:off x="2428240" y="1493520"/>
+            <a:ext cx="6136640" cy="5161280"/>
+          </a:xfrm>
+          <a:prstGeom prst="rect">
+            <a:avLst/>
+          </a:prstGeom>
+        </p:spPr>
+      </p:pic>
+      <p:cxnSp>
+        <p:nvCxnSpPr>
+          <p:cNvPr id="7" name="Straight Arrow Connector 6">
+            <a:extLst>
+              <a:ext uri="{FF2B5EF4-FFF2-40B4-BE49-F238E27FC236}">
+                <a16:creationId xmlns:a16="http://schemas.microsoft.com/office/drawing/2014/main" id="{D8D4AB50-2152-4CDF-B993-EA2F2FFAF409}"/>
+              </a:ext>
+            </a:extLst>
+          </p:cNvPr>
+          <p:cNvCxnSpPr>
+            <a:cxnSpLocks/>
+          </p:cNvCxnSpPr>
+          <p:nvPr/>
+        </p:nvCxnSpPr>
+        <p:spPr>
+          <a:xfrm flipV="1">
+            <a:off x="4456430" y="1107440"/>
+            <a:ext cx="0" cy="1076835"/>
+          </a:xfrm>
+          <a:prstGeom prst="straightConnector1">
+            <a:avLst/>
+          </a:prstGeom>
+          <a:ln w="69850">
+            <a:solidFill>
+              <a:srgbClr val="FF0000"/>
+            </a:solidFill>
+            <a:tailEnd type="triangle"/>
+          </a:ln>
+        </p:spPr>
+        <p:style>
+          <a:lnRef idx="1">
+            <a:schemeClr val="accent1"/>
+          </a:lnRef>
+          <a:fillRef idx="0">
+            <a:schemeClr val="accent1"/>
+          </a:fillRef>
+          <a:effectRef idx="0">
+            <a:schemeClr val="accent1"/>
+          </a:effectRef>
+          <a:fontRef idx="minor">
+            <a:schemeClr val="tx1"/>
+          </a:fontRef>
+        </p:style>
+      </p:cxnSp>
+      <p:cxnSp>
+        <p:nvCxnSpPr>
+          <p:cNvPr id="8" name="Straight Arrow Connector 7">
+            <a:extLst>
+              <a:ext uri="{FF2B5EF4-FFF2-40B4-BE49-F238E27FC236}">
+                <a16:creationId xmlns:a16="http://schemas.microsoft.com/office/drawing/2014/main" id="{A73C6D96-F992-4094-8749-07ACDC16DB7D}"/>
+              </a:ext>
+            </a:extLst>
+          </p:cNvPr>
+          <p:cNvCxnSpPr>
+            <a:cxnSpLocks/>
+          </p:cNvCxnSpPr>
+          <p:nvPr/>
+        </p:nvCxnSpPr>
+        <p:spPr>
+          <a:xfrm flipV="1">
+            <a:off x="6498590" y="1056639"/>
+            <a:ext cx="0" cy="1080000"/>
+          </a:xfrm>
+          <a:prstGeom prst="straightConnector1">
+            <a:avLst/>
+          </a:prstGeom>
+          <a:ln w="69850">
+            <a:solidFill>
+              <a:srgbClr val="FF0000"/>
+            </a:solidFill>
+            <a:tailEnd type="triangle"/>
+          </a:ln>
+        </p:spPr>
+        <p:style>
+          <a:lnRef idx="1">
+            <a:schemeClr val="accent1"/>
+          </a:lnRef>
+          <a:fillRef idx="0">
+            <a:schemeClr val="accent1"/>
+          </a:fillRef>
+          <a:effectRef idx="0">
+            <a:schemeClr val="accent1"/>
+          </a:effectRef>
+          <a:fontRef idx="minor">
+            <a:schemeClr val="tx1"/>
+          </a:fontRef>
+        </p:style>
+      </p:cxnSp>
+    </p:spTree>
+    <p:extLst>
+      <p:ext uri="{BB962C8B-B14F-4D97-AF65-F5344CB8AC3E}">
+        <p14:creationId xmlns:p14="http://schemas.microsoft.com/office/powerpoint/2010/main" val="1517846698"/>
+      </p:ext>
+    </p:extLst>
+  </p:cSld>
+  <p:clrMapOvr>
+    <a:masterClrMapping/>
+  </p:clrMapOvr>
+</p:sld>
+</file>
+
+<file path=ppt/slides/slide8.xml><?xml version="1.0" encoding="utf-8"?>
+<p:sld xmlns:a="http://schemas.openxmlformats.org/drawingml/2006/main" xmlns:r="http://schemas.openxmlformats.org/officeDocument/2006/relationships" xmlns:p="http://schemas.openxmlformats.org/presentationml/2006/main">
+  <p:cSld>
+    <p:spTree>
+      <p:nvGrpSpPr>
+        <p:cNvPr id="1" name=""/>
+        <p:cNvGrpSpPr/>
+        <p:nvPr/>
+      </p:nvGrpSpPr>
+      <p:grpSpPr>
+        <a:xfrm>
+          <a:off x="0" y="0"/>
+          <a:ext cx="0" cy="0"/>
+          <a:chOff x="0" y="0"/>
+          <a:chExt cx="0" cy="0"/>
+        </a:xfrm>
+      </p:grpSpPr>
+      <p:pic>
+        <p:nvPicPr>
+          <p:cNvPr id="3" name="Picture 2">
+            <a:extLst>
+              <a:ext uri="{FF2B5EF4-FFF2-40B4-BE49-F238E27FC236}">
+                <a16:creationId xmlns:a16="http://schemas.microsoft.com/office/drawing/2014/main" id="{086FCEEE-F181-4322-9E98-D260A65F87E0}"/>
+              </a:ext>
+            </a:extLst>
+          </p:cNvPr>
+          <p:cNvPicPr>
+            <a:picLocks noChangeAspect="1"/>
+          </p:cNvPicPr>
+          <p:nvPr/>
+        </p:nvPicPr>
+        <p:blipFill>
+          <a:blip r:embed="rId2"/>
+          <a:stretch>
+            <a:fillRect/>
+          </a:stretch>
+        </p:blipFill>
+        <p:spPr>
+          <a:xfrm>
+            <a:off x="4786312" y="2052637"/>
+            <a:ext cx="2619375" cy="2752725"/>
+          </a:xfrm>
+          <a:prstGeom prst="rect">
+            <a:avLst/>
+          </a:prstGeom>
+        </p:spPr>
+      </p:pic>
+      <p:sp>
+        <p:nvSpPr>
+          <p:cNvPr id="4" name="TextBox 3">
+            <a:extLst>
+              <a:ext uri="{FF2B5EF4-FFF2-40B4-BE49-F238E27FC236}">
+                <a16:creationId xmlns:a16="http://schemas.microsoft.com/office/drawing/2014/main" id="{557BD29E-35A7-479B-BDC9-81F9476439C0}"/>
+              </a:ext>
+            </a:extLst>
+          </p:cNvPr>
+          <p:cNvSpPr txBox="1"/>
+          <p:nvPr/>
+        </p:nvSpPr>
+        <p:spPr>
+          <a:xfrm>
+            <a:off x="5264150" y="1788319"/>
+            <a:ext cx="2216150" cy="369332"/>
+          </a:xfrm>
+          <a:prstGeom prst="rect">
+            <a:avLst/>
+          </a:prstGeom>
+          <a:noFill/>
+        </p:spPr>
+        <p:txBody>
+          <a:bodyPr wrap="square" rtlCol="0">
+            <a:spAutoFit/>
+          </a:bodyPr>
+          <a:lstStyle/>
+          <a:p>
+            <a:r>
+              <a:rPr lang="fr-FR" dirty="0"/>
+              <a:t>Le poids sur Terre</a:t>
+            </a:r>
+          </a:p>
+        </p:txBody>
+      </p:sp>
+    </p:spTree>
+    <p:extLst>
+      <p:ext uri="{BB962C8B-B14F-4D97-AF65-F5344CB8AC3E}">
+        <p14:creationId xmlns:p14="http://schemas.microsoft.com/office/powerpoint/2010/main" val="544060348"/>
+      </p:ext>
+    </p:extLst>
+  </p:cSld>
+  <p:clrMapOvr>
+    <a:masterClrMapping/>
+  </p:clrMapOvr>
+</p:sld>
+</file>
+
+<file path=ppt/slides/slide9.xml><?xml version="1.0" encoding="utf-8"?>
+<p:sld xmlns:a="http://schemas.openxmlformats.org/drawingml/2006/main" xmlns:r="http://schemas.openxmlformats.org/officeDocument/2006/relationships" xmlns:p="http://schemas.openxmlformats.org/presentationml/2006/main">
+  <p:cSld>
+    <p:spTree>
+      <p:nvGrpSpPr>
+        <p:cNvPr id="1" name=""/>
+        <p:cNvGrpSpPr/>
+        <p:nvPr/>
+      </p:nvGrpSpPr>
+      <p:grpSpPr>
+        <a:xfrm>
+          <a:off x="0" y="0"/>
+          <a:ext cx="0" cy="0"/>
+          <a:chOff x="0" y="0"/>
+          <a:chExt cx="0" cy="0"/>
+        </a:xfrm>
+      </p:grpSpPr>
+      <p:pic>
+        <p:nvPicPr>
+          <p:cNvPr id="3" name="Picture 2">
+            <a:extLst>
+              <a:ext uri="{FF2B5EF4-FFF2-40B4-BE49-F238E27FC236}">
+                <a16:creationId xmlns:a16="http://schemas.microsoft.com/office/drawing/2014/main" id="{55FE9457-68EE-42DB-9992-7068803A765A}"/>
+              </a:ext>
+            </a:extLst>
+          </p:cNvPr>
+          <p:cNvPicPr>
+            <a:picLocks noChangeAspect="1"/>
+          </p:cNvPicPr>
+          <p:nvPr/>
+        </p:nvPicPr>
+        <p:blipFill>
+          <a:blip r:embed="rId2"/>
+          <a:stretch>
+            <a:fillRect/>
+          </a:stretch>
+        </p:blipFill>
+        <p:spPr>
+          <a:xfrm>
+            <a:off x="2735262" y="1860550"/>
+            <a:ext cx="4486275" cy="609600"/>
+          </a:xfrm>
+          <a:prstGeom prst="rect">
+            <a:avLst/>
+          </a:prstGeom>
+        </p:spPr>
+      </p:pic>
+      <p:cxnSp>
+        <p:nvCxnSpPr>
+          <p:cNvPr id="5" name="Straight Arrow Connector 4">
+            <a:extLst>
+              <a:ext uri="{FF2B5EF4-FFF2-40B4-BE49-F238E27FC236}">
+                <a16:creationId xmlns:a16="http://schemas.microsoft.com/office/drawing/2014/main" id="{19B3D78E-FC5F-408F-BA3E-CE27AE9AC9D8}"/>
+              </a:ext>
+            </a:extLst>
+          </p:cNvPr>
+          <p:cNvCxnSpPr>
+            <a:cxnSpLocks/>
+          </p:cNvCxnSpPr>
+          <p:nvPr/>
+        </p:nvCxnSpPr>
+        <p:spPr>
+          <a:xfrm flipV="1">
+            <a:off x="4381500" y="2355850"/>
+            <a:ext cx="463550" cy="114300"/>
+          </a:xfrm>
+          <a:prstGeom prst="straightConnector1">
+            <a:avLst/>
+          </a:prstGeom>
+          <a:ln>
+            <a:tailEnd type="triangle"/>
+          </a:ln>
+        </p:spPr>
+        <p:style>
+          <a:lnRef idx="1">
+            <a:schemeClr val="accent1"/>
+          </a:lnRef>
+          <a:fillRef idx="0">
+            <a:schemeClr val="accent1"/>
+          </a:fillRef>
+          <a:effectRef idx="0">
+            <a:schemeClr val="accent1"/>
+          </a:effectRef>
+          <a:fontRef idx="minor">
+            <a:schemeClr val="tx1"/>
+          </a:fontRef>
+        </p:style>
+      </p:cxnSp>
+      <p:sp>
+        <p:nvSpPr>
+          <p:cNvPr id="9" name="TextBox 8">
+            <a:extLst>
+              <a:ext uri="{FF2B5EF4-FFF2-40B4-BE49-F238E27FC236}">
+                <a16:creationId xmlns:a16="http://schemas.microsoft.com/office/drawing/2014/main" id="{A07B6A5B-5F80-468C-83BE-EF879EA81B71}"/>
+              </a:ext>
+            </a:extLst>
+          </p:cNvPr>
+          <p:cNvSpPr txBox="1"/>
+          <p:nvPr/>
+        </p:nvSpPr>
+        <p:spPr>
+          <a:xfrm>
+            <a:off x="3016250" y="2316261"/>
+            <a:ext cx="1828800" cy="307777"/>
+          </a:xfrm>
+          <a:prstGeom prst="rect">
+            <a:avLst/>
+          </a:prstGeom>
+          <a:noFill/>
+        </p:spPr>
+        <p:txBody>
+          <a:bodyPr wrap="square" rtlCol="0">
+            <a:spAutoFit/>
+          </a:bodyPr>
+          <a:lstStyle/>
+          <a:p>
+            <a:r>
+              <a:rPr lang="fr-FR" sz="1400" i="1" dirty="0"/>
+              <a:t>Rayon de la Terre</a:t>
+            </a:r>
+          </a:p>
+        </p:txBody>
+      </p:sp>
+      <mc:AlternateContent xmlns:mc="http://schemas.openxmlformats.org/markup-compatibility/2006">
+        <mc:Choice xmlns:a14="http://schemas.microsoft.com/office/drawing/2010/main" Requires="a14">
+          <p:sp>
+            <p:nvSpPr>
+              <p:cNvPr id="10" name="TextBox 9">
+                <a:extLst>
+                  <a:ext uri="{FF2B5EF4-FFF2-40B4-BE49-F238E27FC236}">
+                    <a16:creationId xmlns:a16="http://schemas.microsoft.com/office/drawing/2014/main" id="{111400BB-3AFA-4FEC-AE51-B85CAA63940C}"/>
+                  </a:ext>
+                </a:extLst>
+              </p:cNvPr>
+              <p:cNvSpPr txBox="1"/>
+              <p:nvPr/>
+            </p:nvSpPr>
+            <p:spPr>
+              <a:xfrm>
+                <a:off x="6593417" y="1723596"/>
+                <a:ext cx="5522383" cy="687368"/>
+              </a:xfrm>
+              <a:prstGeom prst="rect">
+                <a:avLst/>
+              </a:prstGeom>
+              <a:noFill/>
+            </p:spPr>
+            <p:txBody>
+              <a:bodyPr wrap="square" rtlCol="0">
+                <a:spAutoFit/>
+              </a:bodyPr>
+              <a:lstStyle/>
+              <a:p>
+                <a14:m>
+                  <m:oMathPara xmlns:m="http://schemas.openxmlformats.org/officeDocument/2006/math">
+                    <m:oMathParaPr>
+                      <m:jc m:val="centerGroup"/>
+                    </m:oMathParaPr>
+                    <m:oMath xmlns:m="http://schemas.openxmlformats.org/officeDocument/2006/math">
+                      <m:r>
+                        <a:rPr lang="fr-FR" b="0" i="1" smtClean="0">
+                          <a:solidFill>
+                            <a:schemeClr val="bg2">
+                              <a:lumMod val="25000"/>
+                            </a:schemeClr>
+                          </a:solidFill>
+                          <a:latin typeface="Cambria Math" panose="02040503050406030204" pitchFamily="18" charset="0"/>
+                        </a:rPr>
+                        <m:t>=6,67×</m:t>
+                      </m:r>
+                      <m:sSup>
+                        <m:sSupPr>
+                          <m:ctrlPr>
+                            <a:rPr lang="fr-FR" b="0" i="1" smtClean="0">
+                              <a:solidFill>
+                                <a:schemeClr val="bg2">
+                                  <a:lumMod val="25000"/>
+                                </a:schemeClr>
+                              </a:solidFill>
+                              <a:latin typeface="Cambria Math" panose="02040503050406030204" pitchFamily="18" charset="0"/>
+                            </a:rPr>
+                          </m:ctrlPr>
+                        </m:sSupPr>
+                        <m:e>
+                          <m:r>
+                            <a:rPr lang="fr-FR" b="0" i="1" smtClean="0">
+                              <a:solidFill>
+                                <a:schemeClr val="bg2">
+                                  <a:lumMod val="25000"/>
+                                </a:schemeClr>
+                              </a:solidFill>
+                              <a:latin typeface="Cambria Math" panose="02040503050406030204" pitchFamily="18" charset="0"/>
+                            </a:rPr>
+                            <m:t>10</m:t>
+                          </m:r>
+                        </m:e>
+                        <m:sup>
+                          <m:r>
+                            <a:rPr lang="fr-FR" b="0" i="1" smtClean="0">
+                              <a:solidFill>
+                                <a:schemeClr val="bg2">
+                                  <a:lumMod val="25000"/>
+                                </a:schemeClr>
+                              </a:solidFill>
+                              <a:latin typeface="Cambria Math" panose="02040503050406030204" pitchFamily="18" charset="0"/>
+                            </a:rPr>
+                            <m:t>−11</m:t>
+                          </m:r>
+                        </m:sup>
+                      </m:sSup>
+                      <m:r>
+                        <a:rPr lang="fr-FR" b="0" i="1" smtClean="0">
+                          <a:solidFill>
+                            <a:schemeClr val="bg2">
+                              <a:lumMod val="25000"/>
+                            </a:schemeClr>
+                          </a:solidFill>
+                          <a:latin typeface="Cambria Math" panose="02040503050406030204" pitchFamily="18" charset="0"/>
+                        </a:rPr>
+                        <m:t>⋅</m:t>
+                      </m:r>
+                      <m:f>
+                        <m:fPr>
+                          <m:ctrlPr>
+                            <a:rPr lang="fr-FR" b="0" i="1" smtClean="0">
+                              <a:solidFill>
+                                <a:schemeClr val="bg2">
+                                  <a:lumMod val="25000"/>
+                                </a:schemeClr>
+                              </a:solidFill>
+                              <a:latin typeface="Cambria Math" panose="02040503050406030204" pitchFamily="18" charset="0"/>
+                            </a:rPr>
+                          </m:ctrlPr>
+                        </m:fPr>
+                        <m:num>
+                          <m:r>
+                            <m:rPr>
+                              <m:nor/>
+                            </m:rPr>
+                            <a:rPr lang="fr-FR" b="0" i="0" smtClean="0">
+                              <a:solidFill>
+                                <a:schemeClr val="bg2">
+                                  <a:lumMod val="25000"/>
+                                </a:schemeClr>
+                              </a:solidFill>
+                              <a:latin typeface="Cambria Math" panose="02040503050406030204" pitchFamily="18" charset="0"/>
+                            </a:rPr>
+                            <m:t>5,972</m:t>
+                          </m:r>
+                          <m:r>
+                            <a:rPr lang="fr-FR" b="0" i="1" smtClean="0">
+                              <a:solidFill>
+                                <a:schemeClr val="bg2">
+                                  <a:lumMod val="25000"/>
+                                </a:schemeClr>
+                              </a:solidFill>
+                              <a:latin typeface="Cambria Math" panose="02040503050406030204" pitchFamily="18" charset="0"/>
+                            </a:rPr>
+                            <m:t>×</m:t>
+                          </m:r>
+                          <m:sSup>
+                            <m:sSupPr>
+                              <m:ctrlPr>
+                                <a:rPr lang="fr-FR" b="0" i="1" smtClean="0">
+                                  <a:solidFill>
+                                    <a:schemeClr val="bg2">
+                                      <a:lumMod val="25000"/>
+                                    </a:schemeClr>
+                                  </a:solidFill>
+                                  <a:latin typeface="Cambria Math" panose="02040503050406030204" pitchFamily="18" charset="0"/>
+                                </a:rPr>
+                              </m:ctrlPr>
+                            </m:sSupPr>
+                            <m:e>
+                              <m:r>
+                                <a:rPr lang="fr-FR" b="0" i="1" smtClean="0">
+                                  <a:solidFill>
+                                    <a:schemeClr val="bg2">
+                                      <a:lumMod val="25000"/>
+                                    </a:schemeClr>
+                                  </a:solidFill>
+                                  <a:latin typeface="Cambria Math" panose="02040503050406030204" pitchFamily="18" charset="0"/>
+                                </a:rPr>
+                                <m:t>10</m:t>
+                              </m:r>
+                            </m:e>
+                            <m:sup>
+                              <m:r>
+                                <a:rPr lang="fr-FR" b="0" i="1" smtClean="0">
+                                  <a:solidFill>
+                                    <a:schemeClr val="bg2">
+                                      <a:lumMod val="25000"/>
+                                    </a:schemeClr>
+                                  </a:solidFill>
+                                  <a:latin typeface="Cambria Math" panose="02040503050406030204" pitchFamily="18" charset="0"/>
+                                </a:rPr>
+                                <m:t>24</m:t>
+                              </m:r>
+                            </m:sup>
+                          </m:sSup>
+                        </m:num>
+                        <m:den>
+                          <m:sSup>
+                            <m:sSupPr>
+                              <m:ctrlPr>
+                                <a:rPr lang="fr-FR" b="0" i="1" smtClean="0">
+                                  <a:solidFill>
+                                    <a:schemeClr val="bg2">
+                                      <a:lumMod val="25000"/>
+                                    </a:schemeClr>
+                                  </a:solidFill>
+                                  <a:latin typeface="Cambria Math" panose="02040503050406030204" pitchFamily="18" charset="0"/>
+                                </a:rPr>
+                              </m:ctrlPr>
+                            </m:sSupPr>
+                            <m:e>
+                              <m:d>
+                                <m:dPr>
+                                  <m:ctrlPr>
+                                    <a:rPr lang="fr-FR" b="0" i="1" smtClean="0">
+                                      <a:solidFill>
+                                        <a:schemeClr val="bg2">
+                                          <a:lumMod val="25000"/>
+                                        </a:schemeClr>
+                                      </a:solidFill>
+                                      <a:latin typeface="Cambria Math" panose="02040503050406030204" pitchFamily="18" charset="0"/>
+                                    </a:rPr>
+                                  </m:ctrlPr>
+                                </m:dPr>
+                                <m:e>
+                                  <m:r>
+                                    <a:rPr lang="fr-FR" b="0" i="1" smtClean="0">
+                                      <a:solidFill>
+                                        <a:schemeClr val="bg2">
+                                          <a:lumMod val="25000"/>
+                                        </a:schemeClr>
+                                      </a:solidFill>
+                                      <a:latin typeface="Cambria Math" panose="02040503050406030204" pitchFamily="18" charset="0"/>
+                                    </a:rPr>
+                                    <m:t>6371×</m:t>
+                                  </m:r>
+                                  <m:sSup>
+                                    <m:sSupPr>
+                                      <m:ctrlPr>
+                                        <a:rPr lang="fr-FR" b="0" i="1" smtClean="0">
+                                          <a:solidFill>
+                                            <a:schemeClr val="bg2">
+                                              <a:lumMod val="25000"/>
+                                            </a:schemeClr>
+                                          </a:solidFill>
+                                          <a:latin typeface="Cambria Math" panose="02040503050406030204" pitchFamily="18" charset="0"/>
+                                        </a:rPr>
+                                      </m:ctrlPr>
+                                    </m:sSupPr>
+                                    <m:e>
+                                      <m:r>
+                                        <a:rPr lang="fr-FR" b="0" i="1" smtClean="0">
+                                          <a:solidFill>
+                                            <a:schemeClr val="bg2">
+                                              <a:lumMod val="25000"/>
+                                            </a:schemeClr>
+                                          </a:solidFill>
+                                          <a:latin typeface="Cambria Math" panose="02040503050406030204" pitchFamily="18" charset="0"/>
+                                        </a:rPr>
+                                        <m:t>10</m:t>
+                                      </m:r>
+                                    </m:e>
+                                    <m:sup>
+                                      <m:r>
+                                        <a:rPr lang="fr-FR" b="0" i="1" smtClean="0">
+                                          <a:solidFill>
+                                            <a:schemeClr val="bg2">
+                                              <a:lumMod val="25000"/>
+                                            </a:schemeClr>
+                                          </a:solidFill>
+                                          <a:latin typeface="Cambria Math" panose="02040503050406030204" pitchFamily="18" charset="0"/>
+                                        </a:rPr>
+                                        <m:t>3</m:t>
+                                      </m:r>
+                                    </m:sup>
+                                  </m:sSup>
+                                </m:e>
+                              </m:d>
+                            </m:e>
+                            <m:sup>
+                              <m:r>
+                                <a:rPr lang="fr-FR" b="0" i="1" smtClean="0">
+                                  <a:solidFill>
+                                    <a:schemeClr val="bg2">
+                                      <a:lumMod val="25000"/>
+                                    </a:schemeClr>
+                                  </a:solidFill>
+                                  <a:latin typeface="Cambria Math" panose="02040503050406030204" pitchFamily="18" charset="0"/>
+                                </a:rPr>
+                                <m:t>2</m:t>
+                              </m:r>
+                            </m:sup>
+                          </m:sSup>
+                        </m:den>
+                      </m:f>
+                      <m:r>
+                        <a:rPr lang="fr-FR" b="0" i="0" smtClean="0">
+                          <a:solidFill>
+                            <a:schemeClr val="bg2">
+                              <a:lumMod val="25000"/>
+                            </a:schemeClr>
+                          </a:solidFill>
+                          <a:latin typeface="Cambria Math" panose="02040503050406030204" pitchFamily="18" charset="0"/>
+                        </a:rPr>
+                        <m:t>=9,81 </m:t>
+                      </m:r>
+                      <m:r>
+                        <m:rPr>
+                          <m:sty m:val="p"/>
+                        </m:rPr>
+                        <a:rPr lang="fr-FR" b="0" i="0" smtClean="0">
+                          <a:solidFill>
+                            <a:schemeClr val="bg2">
+                              <a:lumMod val="25000"/>
+                            </a:schemeClr>
+                          </a:solidFill>
+                          <a:latin typeface="Cambria Math" panose="02040503050406030204" pitchFamily="18" charset="0"/>
+                        </a:rPr>
+                        <m:t>N</m:t>
+                      </m:r>
+                      <m:r>
+                        <a:rPr lang="fr-FR" b="0" i="0" smtClean="0">
+                          <a:solidFill>
+                            <a:schemeClr val="bg2">
+                              <a:lumMod val="25000"/>
+                            </a:schemeClr>
+                          </a:solidFill>
+                          <a:latin typeface="Cambria Math" panose="02040503050406030204" pitchFamily="18" charset="0"/>
+                        </a:rPr>
+                        <m:t>/</m:t>
+                      </m:r>
+                      <m:r>
+                        <m:rPr>
+                          <m:sty m:val="p"/>
+                        </m:rPr>
+                        <a:rPr lang="fr-FR" b="0" i="0" smtClean="0">
+                          <a:solidFill>
+                            <a:schemeClr val="bg2">
+                              <a:lumMod val="25000"/>
+                            </a:schemeClr>
+                          </a:solidFill>
+                          <a:latin typeface="Cambria Math" panose="02040503050406030204" pitchFamily="18" charset="0"/>
+                        </a:rPr>
+                        <m:t>kg</m:t>
+                      </m:r>
+                    </m:oMath>
+                  </m:oMathPara>
+                </a14:m>
+                <a:endParaRPr lang="fr-FR" dirty="0">
+                  <a:solidFill>
+                    <a:schemeClr val="bg2">
+                      <a:lumMod val="25000"/>
+                    </a:schemeClr>
+                  </a:solidFill>
+                </a:endParaRPr>
+              </a:p>
+            </p:txBody>
+          </p:sp>
+        </mc:Choice>
+        <mc:Fallback>
+          <p:sp>
+            <p:nvSpPr>
+              <p:cNvPr id="10" name="TextBox 9">
+                <a:extLst>
+                  <a:ext uri="{FF2B5EF4-FFF2-40B4-BE49-F238E27FC236}">
+                    <a16:creationId xmlns:a16="http://schemas.microsoft.com/office/drawing/2014/main" id="{111400BB-3AFA-4FEC-AE51-B85CAA63940C}"/>
+                  </a:ext>
+                </a:extLst>
+              </p:cNvPr>
+              <p:cNvSpPr txBox="1">
+                <a:spLocks noRot="1" noChangeAspect="1" noMove="1" noResize="1" noEditPoints="1" noAdjustHandles="1" noChangeArrowheads="1" noChangeShapeType="1" noTextEdit="1"/>
+              </p:cNvSpPr>
+              <p:nvPr/>
+            </p:nvSpPr>
+            <p:spPr>
+              <a:xfrm>
+                <a:off x="6593417" y="1723596"/>
+                <a:ext cx="5522383" cy="687368"/>
+              </a:xfrm>
+              <a:prstGeom prst="rect">
+                <a:avLst/>
+              </a:prstGeom>
+              <a:blipFill>
+                <a:blip r:embed="rId3"/>
+                <a:stretch>
+                  <a:fillRect/>
+                </a:stretch>
+              </a:blipFill>
+            </p:spPr>
+            <p:txBody>
+              <a:bodyPr/>
+              <a:lstStyle/>
+              <a:p>
+                <a:r>
+                  <a:rPr lang="fr-FR">
+                    <a:noFill/>
+                  </a:rPr>
+                  <a:t> </a:t>
+                </a:r>
+              </a:p>
+            </p:txBody>
+          </p:sp>
+        </mc:Fallback>
+      </mc:AlternateContent>
+      <p:sp>
+        <p:nvSpPr>
+          <p:cNvPr id="11" name="TextBox 10">
+            <a:extLst>
+              <a:ext uri="{FF2B5EF4-FFF2-40B4-BE49-F238E27FC236}">
+                <a16:creationId xmlns:a16="http://schemas.microsoft.com/office/drawing/2014/main" id="{175D638D-D747-47B9-95E2-E9C1F71C2143}"/>
+              </a:ext>
+            </a:extLst>
+          </p:cNvPr>
+          <p:cNvSpPr txBox="1"/>
+          <p:nvPr/>
+        </p:nvSpPr>
+        <p:spPr>
+          <a:xfrm>
+            <a:off x="10327217" y="2254706"/>
+            <a:ext cx="1504950" cy="738664"/>
+          </a:xfrm>
+          <a:prstGeom prst="rect">
+            <a:avLst/>
+          </a:prstGeom>
+          <a:noFill/>
+        </p:spPr>
+        <p:txBody>
+          <a:bodyPr wrap="square" rtlCol="0">
+            <a:spAutoFit/>
+          </a:bodyPr>
+          <a:lstStyle/>
+          <a:p>
+            <a:pPr algn="ctr"/>
+            <a:r>
+              <a:rPr lang="fr-FR" sz="1400" i="1" dirty="0"/>
+              <a:t>On retrouve la valeur bien connue !</a:t>
+            </a:r>
+          </a:p>
+        </p:txBody>
+      </p:sp>
+      <p:pic>
+        <p:nvPicPr>
+          <p:cNvPr id="12" name="Picture 11">
+            <a:extLst>
+              <a:ext uri="{FF2B5EF4-FFF2-40B4-BE49-F238E27FC236}">
+                <a16:creationId xmlns:a16="http://schemas.microsoft.com/office/drawing/2014/main" id="{9283E3A1-20EA-4A52-BC66-55F0BB203A50}"/>
+              </a:ext>
+            </a:extLst>
+          </p:cNvPr>
+          <p:cNvPicPr>
+            <a:picLocks noChangeAspect="1"/>
+          </p:cNvPicPr>
+          <p:nvPr/>
+        </p:nvPicPr>
+        <p:blipFill rotWithShape="1">
+          <a:blip r:embed="rId2"/>
+          <a:srcRect l="69651"/>
+          <a:stretch/>
+        </p:blipFill>
+        <p:spPr>
+          <a:xfrm>
+            <a:off x="5554134" y="4578350"/>
+            <a:ext cx="1361545" cy="609600"/>
+          </a:xfrm>
+          <a:prstGeom prst="rect">
+            <a:avLst/>
+          </a:prstGeom>
+        </p:spPr>
+      </p:pic>
+    </p:spTree>
+    <p:extLst>
+      <p:ext uri="{BB962C8B-B14F-4D97-AF65-F5344CB8AC3E}">
+        <p14:creationId xmlns:p14="http://schemas.microsoft.com/office/powerpoint/2010/main" val="2584792598"/>
       </p:ext>
     </p:extLst>
   </p:cSld>
